--- a/开题报告.pptx
+++ b/开题报告.pptx
@@ -5,7 +5,7 @@
     <p:sldMasterId id="2147483660" r:id="rId1"/>
   </p:sldMasterIdLst>
   <p:notesMasterIdLst>
-    <p:notesMasterId r:id="rId28"/>
+    <p:notesMasterId r:id="rId26"/>
   </p:notesMasterIdLst>
   <p:sldIdLst>
     <p:sldId id="256" r:id="rId2"/>
@@ -14,26 +14,24 @@
     <p:sldId id="273" r:id="rId5"/>
     <p:sldId id="295" r:id="rId6"/>
     <p:sldId id="297" r:id="rId7"/>
-    <p:sldId id="296" r:id="rId8"/>
-    <p:sldId id="271" r:id="rId9"/>
-    <p:sldId id="274" r:id="rId10"/>
-    <p:sldId id="301" r:id="rId11"/>
-    <p:sldId id="275" r:id="rId12"/>
-    <p:sldId id="276" r:id="rId13"/>
-    <p:sldId id="263" r:id="rId14"/>
-    <p:sldId id="284" r:id="rId15"/>
-    <p:sldId id="264" r:id="rId16"/>
-    <p:sldId id="291" r:id="rId17"/>
-    <p:sldId id="279" r:id="rId18"/>
-    <p:sldId id="280" r:id="rId19"/>
-    <p:sldId id="281" r:id="rId20"/>
-    <p:sldId id="285" r:id="rId21"/>
-    <p:sldId id="290" r:id="rId22"/>
-    <p:sldId id="308" r:id="rId23"/>
-    <p:sldId id="304" r:id="rId24"/>
-    <p:sldId id="307" r:id="rId25"/>
-    <p:sldId id="306" r:id="rId26"/>
-    <p:sldId id="303" r:id="rId27"/>
+    <p:sldId id="274" r:id="rId8"/>
+    <p:sldId id="301" r:id="rId9"/>
+    <p:sldId id="275" r:id="rId10"/>
+    <p:sldId id="276" r:id="rId11"/>
+    <p:sldId id="263" r:id="rId12"/>
+    <p:sldId id="264" r:id="rId13"/>
+    <p:sldId id="284" r:id="rId14"/>
+    <p:sldId id="291" r:id="rId15"/>
+    <p:sldId id="279" r:id="rId16"/>
+    <p:sldId id="280" r:id="rId17"/>
+    <p:sldId id="281" r:id="rId18"/>
+    <p:sldId id="285" r:id="rId19"/>
+    <p:sldId id="308" r:id="rId20"/>
+    <p:sldId id="271" r:id="rId21"/>
+    <p:sldId id="304" r:id="rId22"/>
+    <p:sldId id="307" r:id="rId23"/>
+    <p:sldId id="306" r:id="rId24"/>
+    <p:sldId id="303" r:id="rId25"/>
   </p:sldIdLst>
   <p:sldSz cx="12192000" cy="6858000"/>
   <p:notesSz cx="6858000" cy="9144000"/>
@@ -222,7 +220,7 @@
           <a:p>
             <a:fld id="{1C50350A-07CF-46BF-AAE9-E9D41F079393}" type="datetimeFigureOut">
               <a:rPr lang="zh-CN" altLang="en-US" smtClean="0"/>
-              <a:t>2016/12/19</a:t>
+              <a:t>2016/12/20</a:t>
             </a:fld>
             <a:endParaRPr lang="zh-CN" altLang="en-US"/>
           </a:p>
@@ -558,7 +556,7 @@
           <a:p>
             <a:fld id="{B14C1FB7-8BCB-4C21-9C0F-671C749B0AC1}" type="slidenum">
               <a:rPr lang="zh-CN" altLang="en-US" smtClean="0"/>
-              <a:t>13</a:t>
+              <a:t>11</a:t>
             </a:fld>
             <a:endParaRPr lang="zh-CN" altLang="en-US"/>
           </a:p>
@@ -765,7 +763,7 @@
           <a:p>
             <a:fld id="{BDA06E97-2B43-46E6-A496-D4DB1B91CE51}" type="datetimeFigureOut">
               <a:rPr lang="zh-CN" altLang="en-US" smtClean="0"/>
-              <a:t>2016/12/19</a:t>
+              <a:t>2016/12/20</a:t>
             </a:fld>
             <a:endParaRPr lang="zh-CN" altLang="en-US"/>
           </a:p>
@@ -1103,7 +1101,7 @@
           <a:p>
             <a:fld id="{BDA06E97-2B43-46E6-A496-D4DB1B91CE51}" type="datetimeFigureOut">
               <a:rPr lang="zh-CN" altLang="en-US" smtClean="0"/>
-              <a:t>2016/12/19</a:t>
+              <a:t>2016/12/20</a:t>
             </a:fld>
             <a:endParaRPr lang="zh-CN" altLang="en-US"/>
           </a:p>
@@ -1504,7 +1502,7 @@
           <a:p>
             <a:fld id="{BDA06E97-2B43-46E6-A496-D4DB1B91CE51}" type="datetimeFigureOut">
               <a:rPr lang="zh-CN" altLang="en-US" smtClean="0"/>
-              <a:t>2016/12/19</a:t>
+              <a:t>2016/12/20</a:t>
             </a:fld>
             <a:endParaRPr lang="zh-CN" altLang="en-US"/>
           </a:p>
@@ -1840,7 +1838,7 @@
           <a:p>
             <a:fld id="{BDA06E97-2B43-46E6-A496-D4DB1B91CE51}" type="datetimeFigureOut">
               <a:rPr lang="zh-CN" altLang="en-US" smtClean="0"/>
-              <a:t>2016/12/19</a:t>
+              <a:t>2016/12/20</a:t>
             </a:fld>
             <a:endParaRPr lang="zh-CN" altLang="en-US"/>
           </a:p>
@@ -2160,7 +2158,7 @@
           <a:p>
             <a:fld id="{BDA06E97-2B43-46E6-A496-D4DB1B91CE51}" type="datetimeFigureOut">
               <a:rPr lang="zh-CN" altLang="en-US" smtClean="0"/>
-              <a:t>2016/12/19</a:t>
+              <a:t>2016/12/20</a:t>
             </a:fld>
             <a:endParaRPr lang="zh-CN" altLang="en-US"/>
           </a:p>
@@ -2556,7 +2554,7 @@
           <a:p>
             <a:fld id="{BDA06E97-2B43-46E6-A496-D4DB1B91CE51}" type="datetimeFigureOut">
               <a:rPr lang="zh-CN" altLang="en-US" smtClean="0"/>
-              <a:t>2016/12/19</a:t>
+              <a:t>2016/12/20</a:t>
             </a:fld>
             <a:endParaRPr lang="zh-CN" altLang="en-US"/>
           </a:p>
@@ -2813,7 +2811,7 @@
           <a:p>
             <a:fld id="{BDA06E97-2B43-46E6-A496-D4DB1B91CE51}" type="datetimeFigureOut">
               <a:rPr lang="zh-CN" altLang="en-US" smtClean="0"/>
-              <a:t>2016/12/19</a:t>
+              <a:t>2016/12/20</a:t>
             </a:fld>
             <a:endParaRPr lang="zh-CN" altLang="en-US"/>
           </a:p>
@@ -3075,7 +3073,7 @@
           <a:p>
             <a:fld id="{BDA06E97-2B43-46E6-A496-D4DB1B91CE51}" type="datetimeFigureOut">
               <a:rPr lang="zh-CN" altLang="en-US" smtClean="0"/>
-              <a:t>2016/12/19</a:t>
+              <a:t>2016/12/20</a:t>
             </a:fld>
             <a:endParaRPr lang="zh-CN" altLang="en-US"/>
           </a:p>
@@ -3337,7 +3335,7 @@
           <a:p>
             <a:fld id="{BDA06E97-2B43-46E6-A496-D4DB1B91CE51}" type="datetimeFigureOut">
               <a:rPr lang="zh-CN" altLang="en-US" smtClean="0"/>
-              <a:t>2016/12/19</a:t>
+              <a:t>2016/12/20</a:t>
             </a:fld>
             <a:endParaRPr lang="zh-CN" altLang="en-US"/>
           </a:p>
@@ -3666,7 +3664,7 @@
           <a:p>
             <a:fld id="{BDA06E97-2B43-46E6-A496-D4DB1B91CE51}" type="datetimeFigureOut">
               <a:rPr lang="zh-CN" altLang="en-US" smtClean="0"/>
-              <a:t>2016/12/19</a:t>
+              <a:t>2016/12/20</a:t>
             </a:fld>
             <a:endParaRPr lang="zh-CN" altLang="en-US"/>
           </a:p>
@@ -3989,7 +3987,7 @@
           <a:p>
             <a:fld id="{BDA06E97-2B43-46E6-A496-D4DB1B91CE51}" type="datetimeFigureOut">
               <a:rPr lang="zh-CN" altLang="en-US" smtClean="0"/>
-              <a:t>2016/12/19</a:t>
+              <a:t>2016/12/20</a:t>
             </a:fld>
             <a:endParaRPr lang="zh-CN" altLang="en-US"/>
           </a:p>
@@ -4446,7 +4444,7 @@
           <a:p>
             <a:fld id="{BDA06E97-2B43-46E6-A496-D4DB1B91CE51}" type="datetimeFigureOut">
               <a:rPr lang="zh-CN" altLang="en-US" smtClean="0"/>
-              <a:t>2016/12/19</a:t>
+              <a:t>2016/12/20</a:t>
             </a:fld>
             <a:endParaRPr lang="zh-CN" altLang="en-US"/>
           </a:p>
@@ -4651,7 +4649,7 @@
           <a:p>
             <a:fld id="{BDA06E97-2B43-46E6-A496-D4DB1B91CE51}" type="datetimeFigureOut">
               <a:rPr lang="zh-CN" altLang="en-US" smtClean="0"/>
-              <a:t>2016/12/19</a:t>
+              <a:t>2016/12/20</a:t>
             </a:fld>
             <a:endParaRPr lang="zh-CN" altLang="en-US"/>
           </a:p>
@@ -4828,7 +4826,7 @@
           <a:p>
             <a:fld id="{BDA06E97-2B43-46E6-A496-D4DB1B91CE51}" type="datetimeFigureOut">
               <a:rPr lang="zh-CN" altLang="en-US" smtClean="0"/>
-              <a:t>2016/12/19</a:t>
+              <a:t>2016/12/20</a:t>
             </a:fld>
             <a:endParaRPr lang="zh-CN" altLang="en-US"/>
           </a:p>
@@ -5161,7 +5159,7 @@
           <a:p>
             <a:fld id="{BDA06E97-2B43-46E6-A496-D4DB1B91CE51}" type="datetimeFigureOut">
               <a:rPr lang="zh-CN" altLang="en-US" smtClean="0"/>
-              <a:t>2016/12/19</a:t>
+              <a:t>2016/12/20</a:t>
             </a:fld>
             <a:endParaRPr lang="zh-CN" altLang="en-US"/>
           </a:p>
@@ -5506,7 +5504,7 @@
           <a:p>
             <a:fld id="{BDA06E97-2B43-46E6-A496-D4DB1B91CE51}" type="datetimeFigureOut">
               <a:rPr lang="zh-CN" altLang="en-US" smtClean="0"/>
-              <a:t>2016/12/19</a:t>
+              <a:t>2016/12/20</a:t>
             </a:fld>
             <a:endParaRPr lang="zh-CN" altLang="en-US"/>
           </a:p>
@@ -7623,7 +7621,7 @@
           <a:p>
             <a:fld id="{BDA06E97-2B43-46E6-A496-D4DB1B91CE51}" type="datetimeFigureOut">
               <a:rPr lang="zh-CN" altLang="en-US" smtClean="0"/>
-              <a:t>2016/12/19</a:t>
+              <a:t>2016/12/20</a:t>
             </a:fld>
             <a:endParaRPr lang="zh-CN" altLang="en-US"/>
           </a:p>
@@ -8163,6 +8161,7 @@
           </a:bodyPr>
           <a:lstStyle/>
           <a:p>
+            <a:pPr algn="ctr"/>
             <a:r>
               <a:rPr lang="zh-CN" altLang="en-US" sz="4400" dirty="0"/>
               <a:t>神经网络语言模型的性能优化研究</a:t>
@@ -8183,13 +8182,14 @@
         <p:spPr>
           <a:xfrm>
             <a:off x="2047046" y="2126495"/>
-            <a:ext cx="8915399" cy="584338"/>
+            <a:ext cx="8935279" cy="584338"/>
           </a:xfrm>
         </p:spPr>
         <p:txBody>
           <a:bodyPr/>
           <a:lstStyle/>
           <a:p>
+            <a:pPr algn="ctr"/>
             <a:r>
               <a:rPr lang="en-US" dirty="0"/>
               <a:t>On Optimization Perspective of Neural Language Model</a:t>
@@ -8430,6 +8430,7 @@
             </a:lvl9pPr>
           </a:lstStyle>
           <a:p>
+            <a:pPr algn="ctr"/>
             <a:r>
               <a:rPr lang="zh-CN" altLang="en-US" dirty="0"/>
               <a:t>答辩人：姜楠 </a:t>
@@ -8440,6 +8441,7 @@
             </a:r>
           </a:p>
           <a:p>
+            <a:pPr algn="ctr"/>
             <a:r>
               <a:rPr lang="zh-CN" altLang="en-US" dirty="0"/>
               <a:t>导师：荣文戈副教授</a:t>
@@ -8455,7 +8457,7 @@
         </p:nvSpPr>
         <p:spPr>
           <a:xfrm>
-            <a:off x="4927810" y="5632940"/>
+            <a:off x="5114046" y="5632940"/>
             <a:ext cx="2095445" cy="369332"/>
           </a:xfrm>
           <a:prstGeom prst="rect">
@@ -8757,6 +8759,13 @@
   <p:clrMapOvr>
     <a:masterClrMapping/>
   </p:clrMapOvr>
+  <p:timing>
+    <p:tnLst>
+      <p:par>
+        <p:cTn id="1" dur="indefinite" restart="never" nodeType="tmRoot"/>
+      </p:par>
+    </p:tnLst>
+  </p:timing>
 </p:sld>
 </file>
 
@@ -8779,342 +8788,6 @@
       </p:grpSpPr>
       <p:sp>
         <p:nvSpPr>
-          <p:cNvPr id="4" name="标题 3"/>
-          <p:cNvSpPr>
-            <a:spLocks noGrp="1"/>
-          </p:cNvSpPr>
-          <p:nvPr>
-            <p:ph type="title"/>
-          </p:nvPr>
-        </p:nvSpPr>
-        <p:spPr>
-          <a:xfrm>
-            <a:off x="2522537" y="2061329"/>
-            <a:ext cx="8915399" cy="1468800"/>
-          </a:xfrm>
-        </p:spPr>
-        <p:txBody>
-          <a:bodyPr vert="horz" lIns="91440" tIns="45720" rIns="91440" bIns="45720" rtlCol="0" anchor="ctr">
-            <a:normAutofit/>
-          </a:bodyPr>
-          <a:lstStyle/>
-          <a:p>
-            <a:pPr>
-              <a:spcBef>
-                <a:spcPts val="1000"/>
-              </a:spcBef>
-              <a:buClr>
-                <a:schemeClr val="accent1"/>
-              </a:buClr>
-              <a:buFont typeface="Wingdings 3" charset="2"/>
-            </a:pPr>
-            <a:r>
-              <a:rPr lang="en-US" altLang="zh-CN" dirty="0">
-                <a:solidFill>
-                  <a:schemeClr val="bg1">
-                    <a:lumMod val="50000"/>
-                  </a:schemeClr>
-                </a:solidFill>
-                <a:latin typeface="+mn-lt"/>
-                <a:ea typeface="+mn-ea"/>
-                <a:cs typeface="+mn-cs"/>
-              </a:rPr>
-              <a:t>1. spherical family </a:t>
-            </a:r>
-            <a:endParaRPr lang="zh-CN" altLang="en-US" dirty="0">
-              <a:solidFill>
-                <a:schemeClr val="bg1">
-                  <a:lumMod val="50000"/>
-                </a:schemeClr>
-              </a:solidFill>
-              <a:latin typeface="+mn-lt"/>
-              <a:ea typeface="+mn-ea"/>
-              <a:cs typeface="+mn-cs"/>
-            </a:endParaRPr>
-          </a:p>
-        </p:txBody>
-      </p:sp>
-      <p:sp>
-        <p:nvSpPr>
-          <p:cNvPr id="5" name="文本占位符 4"/>
-          <p:cNvSpPr>
-            <a:spLocks noGrp="1"/>
-          </p:cNvSpPr>
-          <p:nvPr>
-            <p:ph type="body" idx="1"/>
-          </p:nvPr>
-        </p:nvSpPr>
-        <p:spPr/>
-        <p:txBody>
-          <a:bodyPr/>
-          <a:lstStyle/>
-          <a:p>
-            <a:endParaRPr lang="zh-CN" altLang="en-US"/>
-          </a:p>
-        </p:txBody>
-      </p:sp>
-    </p:spTree>
-    <p:extLst>
-      <p:ext uri="{BB962C8B-B14F-4D97-AF65-F5344CB8AC3E}">
-        <p14:creationId xmlns:p14="http://schemas.microsoft.com/office/powerpoint/2010/main" val="2048030651"/>
-      </p:ext>
-    </p:extLst>
-  </p:cSld>
-  <p:clrMapOvr>
-    <a:masterClrMapping/>
-  </p:clrMapOvr>
-</p:sld>
-</file>
-
-<file path=ppt/slides/slide11.xml><?xml version="1.0" encoding="utf-8"?>
-<p:sld xmlns:a="http://schemas.openxmlformats.org/drawingml/2006/main" xmlns:r="http://schemas.openxmlformats.org/officeDocument/2006/relationships" xmlns:p="http://schemas.openxmlformats.org/presentationml/2006/main">
-  <p:cSld>
-    <p:spTree>
-      <p:nvGrpSpPr>
-        <p:cNvPr id="1" name=""/>
-        <p:cNvGrpSpPr/>
-        <p:nvPr/>
-      </p:nvGrpSpPr>
-      <p:grpSpPr>
-        <a:xfrm>
-          <a:off x="0" y="0"/>
-          <a:ext cx="0" cy="0"/>
-          <a:chOff x="0" y="0"/>
-          <a:chExt cx="0" cy="0"/>
-        </a:xfrm>
-      </p:grpSpPr>
-      <p:sp>
-        <p:nvSpPr>
-          <p:cNvPr id="2" name="标题 1"/>
-          <p:cNvSpPr>
-            <a:spLocks noGrp="1"/>
-          </p:cNvSpPr>
-          <p:nvPr>
-            <p:ph type="title"/>
-          </p:nvPr>
-        </p:nvSpPr>
-        <p:spPr/>
-        <p:txBody>
-          <a:bodyPr/>
-          <a:lstStyle/>
-          <a:p>
-            <a:r>
-              <a:rPr lang="en-US" altLang="zh-CN" dirty="0"/>
-              <a:t>Taylor Expansion</a:t>
-            </a:r>
-            <a:endParaRPr lang="zh-CN" altLang="en-US" dirty="0"/>
-          </a:p>
-        </p:txBody>
-      </p:sp>
-      <p:sp>
-        <p:nvSpPr>
-          <p:cNvPr id="3" name="内容占位符 2"/>
-          <p:cNvSpPr>
-            <a:spLocks noGrp="1"/>
-          </p:cNvSpPr>
-          <p:nvPr>
-            <p:ph idx="1"/>
-          </p:nvPr>
-        </p:nvSpPr>
-        <p:spPr>
-          <a:xfrm>
-            <a:off x="2589212" y="2133600"/>
-            <a:ext cx="8915400" cy="3276600"/>
-          </a:xfrm>
-        </p:spPr>
-        <p:txBody>
-          <a:bodyPr>
-            <a:normAutofit/>
-          </a:bodyPr>
-          <a:lstStyle/>
-          <a:p>
-            <a:r>
-              <a:rPr lang="en-US" altLang="zh-CN" dirty="0"/>
-              <a:t>SOFTMAX.</a:t>
-            </a:r>
-          </a:p>
-          <a:p>
-            <a:endParaRPr lang="en-US" altLang="zh-CN" dirty="0"/>
-          </a:p>
-          <a:p>
-            <a:endParaRPr lang="en-US" altLang="zh-CN" dirty="0"/>
-          </a:p>
-          <a:p>
-            <a:r>
-              <a:rPr lang="en-US" altLang="zh-CN" dirty="0"/>
-              <a:t>SPHERICAL SOFTMAX.</a:t>
-            </a:r>
-          </a:p>
-          <a:p>
-            <a:endParaRPr lang="en-US" altLang="zh-CN" dirty="0"/>
-          </a:p>
-          <a:p>
-            <a:endParaRPr lang="en-US" altLang="zh-CN" dirty="0"/>
-          </a:p>
-          <a:p>
-            <a:r>
-              <a:rPr lang="en-US" altLang="zh-CN" dirty="0"/>
-              <a:t>TAYLOR SOFTMAX.</a:t>
-            </a:r>
-          </a:p>
-          <a:p>
-            <a:endParaRPr lang="zh-CN" altLang="en-US" dirty="0"/>
-          </a:p>
-        </p:txBody>
-      </p:sp>
-      <p:pic>
-        <p:nvPicPr>
-          <p:cNvPr id="4" name="图片 3"/>
-          <p:cNvPicPr>
-            <a:picLocks noChangeAspect="1"/>
-          </p:cNvPicPr>
-          <p:nvPr/>
-        </p:nvPicPr>
-        <p:blipFill>
-          <a:blip r:embed="rId2"/>
-          <a:stretch>
-            <a:fillRect/>
-          </a:stretch>
-        </p:blipFill>
-        <p:spPr>
-          <a:xfrm>
-            <a:off x="5757862" y="3486595"/>
-            <a:ext cx="4638675" cy="1295400"/>
-          </a:xfrm>
-          <a:prstGeom prst="rect">
-            <a:avLst/>
-          </a:prstGeom>
-        </p:spPr>
-      </p:pic>
-      <p:pic>
-        <p:nvPicPr>
-          <p:cNvPr id="5" name="图片 4"/>
-          <p:cNvPicPr>
-            <a:picLocks noChangeAspect="1"/>
-          </p:cNvPicPr>
-          <p:nvPr/>
-        </p:nvPicPr>
-        <p:blipFill>
-          <a:blip r:embed="rId3"/>
-          <a:stretch>
-            <a:fillRect/>
-          </a:stretch>
-        </p:blipFill>
-        <p:spPr>
-          <a:xfrm>
-            <a:off x="5453061" y="5254150"/>
-            <a:ext cx="5248275" cy="1219200"/>
-          </a:xfrm>
-          <a:prstGeom prst="rect">
-            <a:avLst/>
-          </a:prstGeom>
-        </p:spPr>
-      </p:pic>
-      <p:pic>
-        <p:nvPicPr>
-          <p:cNvPr id="6" name="图片 5"/>
-          <p:cNvPicPr>
-            <a:picLocks noChangeAspect="1"/>
-          </p:cNvPicPr>
-          <p:nvPr/>
-        </p:nvPicPr>
-        <p:blipFill>
-          <a:blip r:embed="rId4"/>
-          <a:stretch>
-            <a:fillRect/>
-          </a:stretch>
-        </p:blipFill>
-        <p:spPr>
-          <a:xfrm>
-            <a:off x="6099174" y="1880030"/>
-            <a:ext cx="4181475" cy="1085850"/>
-          </a:xfrm>
-          <a:prstGeom prst="rect">
-            <a:avLst/>
-          </a:prstGeom>
-        </p:spPr>
-      </p:pic>
-      <p:sp>
-        <p:nvSpPr>
-          <p:cNvPr id="7" name="矩形 6"/>
-          <p:cNvSpPr/>
-          <p:nvPr/>
-        </p:nvSpPr>
-        <p:spPr>
-          <a:xfrm>
-            <a:off x="2876550" y="6581001"/>
-            <a:ext cx="9315450" cy="276999"/>
-          </a:xfrm>
-          <a:prstGeom prst="rect">
-            <a:avLst/>
-          </a:prstGeom>
-        </p:spPr>
-        <p:txBody>
-          <a:bodyPr wrap="square">
-            <a:spAutoFit/>
-          </a:bodyPr>
-          <a:lstStyle/>
-          <a:p>
-            <a:r>
-              <a:rPr lang="en-US" altLang="zh-CN" sz="1200" dirty="0">
-                <a:latin typeface="Times New Roman" panose="02020603050405020304" pitchFamily="18" charset="0"/>
-                <a:cs typeface="Times New Roman" panose="02020603050405020304" pitchFamily="18" charset="0"/>
-              </a:rPr>
-              <a:t>AN EXPLORATION OF SOFTMAX ALTERNATIVES BELONGING TO THE SPHERICAL LOSS FAMILY. ICLR 2016 [university de </a:t>
-            </a:r>
-            <a:r>
-              <a:rPr lang="en-US" altLang="zh-CN" sz="1200" dirty="0" err="1">
-                <a:latin typeface="Times New Roman" panose="02020603050405020304" pitchFamily="18" charset="0"/>
-                <a:cs typeface="Times New Roman" panose="02020603050405020304" pitchFamily="18" charset="0"/>
-              </a:rPr>
-              <a:t>montreal</a:t>
-            </a:r>
-            <a:r>
-              <a:rPr lang="en-US" altLang="zh-CN" sz="1200" dirty="0">
-                <a:latin typeface="Times New Roman" panose="02020603050405020304" pitchFamily="18" charset="0"/>
-                <a:cs typeface="Times New Roman" panose="02020603050405020304" pitchFamily="18" charset="0"/>
-              </a:rPr>
-              <a:t>] </a:t>
-            </a:r>
-            <a:endParaRPr lang="zh-CN" altLang="en-US" sz="1200" dirty="0">
-              <a:latin typeface="Times New Roman" panose="02020603050405020304" pitchFamily="18" charset="0"/>
-              <a:cs typeface="Times New Roman" panose="02020603050405020304" pitchFamily="18" charset="0"/>
-            </a:endParaRPr>
-          </a:p>
-        </p:txBody>
-      </p:sp>
-    </p:spTree>
-    <p:extLst>
-      <p:ext uri="{BB962C8B-B14F-4D97-AF65-F5344CB8AC3E}">
-        <p14:creationId xmlns:p14="http://schemas.microsoft.com/office/powerpoint/2010/main" val="3747167083"/>
-      </p:ext>
-    </p:extLst>
-  </p:cSld>
-  <p:clrMapOvr>
-    <a:masterClrMapping/>
-  </p:clrMapOvr>
-</p:sld>
-</file>
-
-<file path=ppt/slides/slide12.xml><?xml version="1.0" encoding="utf-8"?>
-<p:sld xmlns:a="http://schemas.openxmlformats.org/drawingml/2006/main" xmlns:r="http://schemas.openxmlformats.org/officeDocument/2006/relationships" xmlns:p="http://schemas.openxmlformats.org/presentationml/2006/main">
-  <p:cSld>
-    <p:spTree>
-      <p:nvGrpSpPr>
-        <p:cNvPr id="1" name=""/>
-        <p:cNvGrpSpPr/>
-        <p:nvPr/>
-      </p:nvGrpSpPr>
-      <p:grpSpPr>
-        <a:xfrm>
-          <a:off x="0" y="0"/>
-          <a:ext cx="0" cy="0"/>
-          <a:chOff x="0" y="0"/>
-          <a:chExt cx="0" cy="0"/>
-        </a:xfrm>
-      </p:grpSpPr>
-      <p:sp>
-        <p:nvSpPr>
           <p:cNvPr id="2" name="标题 1"/>
           <p:cNvSpPr>
             <a:spLocks noGrp="1"/>
@@ -9142,6 +8815,10 @@
             <a:br>
               <a:rPr lang="en-US" altLang="zh-CN" sz="1800" dirty="0"/>
             </a:br>
+            <a:r>
+              <a:rPr lang="en-US" altLang="zh-CN" sz="1800" dirty="0"/>
+              <a:t/>
+            </a:r>
             <a:br>
               <a:rPr lang="en-US" altLang="zh-CN" sz="1800" dirty="0"/>
             </a:br>
@@ -9182,8 +8859,25 @@
                   </a:schemeClr>
                 </a:solidFill>
               </a:rPr>
-              <a:t>2. sampling</a:t>
-            </a:r>
+              <a:t>2. </a:t>
+            </a:r>
+            <a:r>
+              <a:rPr lang="zh-CN" altLang="en-US" sz="4000" dirty="0">
+                <a:solidFill>
+                  <a:schemeClr val="bg1">
+                    <a:lumMod val="50000"/>
+                  </a:schemeClr>
+                </a:solidFill>
+              </a:rPr>
+              <a:t>采样方案</a:t>
+            </a:r>
+            <a:endParaRPr lang="en-US" altLang="zh-CN" sz="4000" dirty="0">
+              <a:solidFill>
+                <a:schemeClr val="bg1">
+                  <a:lumMod val="50000"/>
+                </a:schemeClr>
+              </a:solidFill>
+            </a:endParaRPr>
           </a:p>
         </p:txBody>
       </p:sp>
@@ -9460,7 +9154,7 @@
 </p:sld>
 </file>
 
-<file path=ppt/slides/slide13.xml><?xml version="1.0" encoding="utf-8"?>
+<file path=ppt/slides/slide11.xml><?xml version="1.0" encoding="utf-8"?>
 <p:sld xmlns:a="http://schemas.openxmlformats.org/drawingml/2006/main" xmlns:r="http://schemas.openxmlformats.org/officeDocument/2006/relationships" xmlns:p="http://schemas.openxmlformats.org/presentationml/2006/main">
   <p:cSld>
     <p:spTree>
@@ -9651,173 +9345,7 @@
 </p:sld>
 </file>
 
-<file path=ppt/slides/slide14.xml><?xml version="1.0" encoding="utf-8"?>
-<p:sld xmlns:a="http://schemas.openxmlformats.org/drawingml/2006/main" xmlns:r="http://schemas.openxmlformats.org/officeDocument/2006/relationships" xmlns:p="http://schemas.openxmlformats.org/presentationml/2006/main">
-  <p:cSld>
-    <p:spTree>
-      <p:nvGrpSpPr>
-        <p:cNvPr id="1" name=""/>
-        <p:cNvGrpSpPr/>
-        <p:nvPr/>
-      </p:nvGrpSpPr>
-      <p:grpSpPr>
-        <a:xfrm>
-          <a:off x="0" y="0"/>
-          <a:ext cx="0" cy="0"/>
-          <a:chOff x="0" y="0"/>
-          <a:chExt cx="0" cy="0"/>
-        </a:xfrm>
-      </p:grpSpPr>
-      <p:sp>
-        <p:nvSpPr>
-          <p:cNvPr id="2" name="标题 1"/>
-          <p:cNvSpPr>
-            <a:spLocks noGrp="1"/>
-          </p:cNvSpPr>
-          <p:nvPr>
-            <p:ph type="title"/>
-          </p:nvPr>
-        </p:nvSpPr>
-        <p:spPr/>
-        <p:txBody>
-          <a:bodyPr/>
-          <a:lstStyle/>
-          <a:p>
-            <a:r>
-              <a:rPr lang="en-US" altLang="zh-CN" dirty="0"/>
-              <a:t>reference</a:t>
-            </a:r>
-            <a:endParaRPr lang="zh-CN" altLang="en-US" dirty="0"/>
-          </a:p>
-        </p:txBody>
-      </p:sp>
-      <p:sp>
-        <p:nvSpPr>
-          <p:cNvPr id="3" name="内容占位符 2"/>
-          <p:cNvSpPr>
-            <a:spLocks noGrp="1"/>
-          </p:cNvSpPr>
-          <p:nvPr>
-            <p:ph idx="1"/>
-          </p:nvPr>
-        </p:nvSpPr>
-        <p:spPr/>
-        <p:txBody>
-          <a:bodyPr/>
-          <a:lstStyle/>
-          <a:p>
-            <a:r>
-              <a:rPr lang="en-US" altLang="zh-CN" dirty="0" err="1"/>
-              <a:t>Mnih</a:t>
-            </a:r>
-            <a:r>
-              <a:rPr lang="en-US" altLang="zh-CN" dirty="0"/>
-              <a:t> A, </a:t>
-            </a:r>
-            <a:r>
-              <a:rPr lang="en-US" altLang="zh-CN" dirty="0" err="1"/>
-              <a:t>Kavukcuoglu</a:t>
-            </a:r>
-            <a:r>
-              <a:rPr lang="en-US" altLang="zh-CN" dirty="0"/>
-              <a:t> K. Learning word </a:t>
-            </a:r>
-            <a:r>
-              <a:rPr lang="en-US" altLang="zh-CN" dirty="0" err="1"/>
-              <a:t>embeddings</a:t>
-            </a:r>
-            <a:r>
-              <a:rPr lang="en-US" altLang="zh-CN" dirty="0"/>
-              <a:t> efficiently with noise-contrastive estimation[C]//Advances in Neural Information Processing Systems. 2013: 2265-2273.</a:t>
-            </a:r>
-          </a:p>
-          <a:p>
-            <a:r>
-              <a:rPr lang="en-US" altLang="zh-CN" dirty="0" err="1"/>
-              <a:t>Gutmann</a:t>
-            </a:r>
-            <a:r>
-              <a:rPr lang="en-US" altLang="zh-CN" dirty="0"/>
-              <a:t> M, </a:t>
-            </a:r>
-            <a:r>
-              <a:rPr lang="en-US" altLang="zh-CN" dirty="0" err="1"/>
-              <a:t>Hyvärinen</a:t>
-            </a:r>
-            <a:r>
-              <a:rPr lang="en-US" altLang="zh-CN" dirty="0"/>
-              <a:t> A. Noise-contrastive estimation: A new estimation principle for </a:t>
-            </a:r>
-            <a:r>
-              <a:rPr lang="en-US" altLang="zh-CN" dirty="0" err="1"/>
-              <a:t>unnormalized</a:t>
-            </a:r>
-            <a:r>
-              <a:rPr lang="en-US" altLang="zh-CN" dirty="0"/>
-              <a:t> statistical models[C]//AISTATS. 2010, 1(2): 6.</a:t>
-            </a:r>
-          </a:p>
-          <a:p>
-            <a:r>
-              <a:rPr lang="en-US" altLang="zh-CN" dirty="0" err="1"/>
-              <a:t>Mikolov</a:t>
-            </a:r>
-            <a:r>
-              <a:rPr lang="en-US" altLang="zh-CN" dirty="0"/>
-              <a:t> T, </a:t>
-            </a:r>
-            <a:r>
-              <a:rPr lang="en-US" altLang="zh-CN" dirty="0" err="1"/>
-              <a:t>Sutskever</a:t>
-            </a:r>
-            <a:r>
-              <a:rPr lang="en-US" altLang="zh-CN" dirty="0"/>
-              <a:t> I, Chen K, et al. Distributed representations of words and phrases and their compositionality[C]//Advances in neural information processing systems. 2013: 3111-3119.</a:t>
-            </a:r>
-          </a:p>
-          <a:p>
-            <a:r>
-              <a:rPr lang="en-US" altLang="zh-CN" dirty="0" err="1"/>
-              <a:t>Mnih</a:t>
-            </a:r>
-            <a:r>
-              <a:rPr lang="en-US" altLang="zh-CN" dirty="0"/>
-              <a:t> A, </a:t>
-            </a:r>
-            <a:r>
-              <a:rPr lang="en-US" altLang="zh-CN" dirty="0" err="1"/>
-              <a:t>Teh</a:t>
-            </a:r>
-            <a:r>
-              <a:rPr lang="en-US" altLang="zh-CN" dirty="0"/>
-              <a:t> Y W. A fast and simple algorithm for training neural probabilistic language models[J]. </a:t>
-            </a:r>
-            <a:r>
-              <a:rPr lang="en-US" altLang="zh-CN" dirty="0" err="1"/>
-              <a:t>arXiv</a:t>
-            </a:r>
-            <a:r>
-              <a:rPr lang="en-US" altLang="zh-CN" dirty="0"/>
-              <a:t> preprint arXiv:1206.6426, 2012.</a:t>
-            </a:r>
-            <a:endParaRPr lang="zh-CN" altLang="en-US" dirty="0"/>
-          </a:p>
-        </p:txBody>
-      </p:sp>
-    </p:spTree>
-    <p:extLst>
-      <p:ext uri="{BB962C8B-B14F-4D97-AF65-F5344CB8AC3E}">
-        <p14:creationId xmlns:p14="http://schemas.microsoft.com/office/powerpoint/2010/main" val="2006958150"/>
-      </p:ext>
-    </p:extLst>
-  </p:cSld>
-  <p:clrMapOvr>
-    <a:masterClrMapping/>
-  </p:clrMapOvr>
-</p:sld>
-</file>
-
-<file path=ppt/slides/slide15.xml><?xml version="1.0" encoding="utf-8"?>
+<file path=ppt/slides/slide12.xml><?xml version="1.0" encoding="utf-8"?>
 <p:sld xmlns:a="http://schemas.openxmlformats.org/drawingml/2006/main" xmlns:r="http://schemas.openxmlformats.org/officeDocument/2006/relationships" xmlns:p="http://schemas.openxmlformats.org/presentationml/2006/main">
   <p:cSld>
     <p:spTree>
@@ -10515,7 +10043,7 @@
 </p:sld>
 </file>
 
-<file path=ppt/slides/slide16.xml><?xml version="1.0" encoding="utf-8"?>
+<file path=ppt/slides/slide13.xml><?xml version="1.0" encoding="utf-8"?>
 <p:sld xmlns:a="http://schemas.openxmlformats.org/drawingml/2006/main" xmlns:r="http://schemas.openxmlformats.org/officeDocument/2006/relationships" xmlns:p="http://schemas.openxmlformats.org/presentationml/2006/main">
   <p:cSld>
     <p:spTree>
@@ -10534,7 +10062,7 @@
       </p:grpSpPr>
       <p:sp>
         <p:nvSpPr>
-          <p:cNvPr id="4" name="标题 3"/>
+          <p:cNvPr id="2" name="标题 1"/>
           <p:cNvSpPr>
             <a:spLocks noGrp="1"/>
           </p:cNvSpPr>
@@ -10548,8 +10076,121 @@
           <a:lstStyle/>
           <a:p>
             <a:r>
+              <a:rPr lang="zh-CN" altLang="en-US" dirty="0"/>
+              <a:t>部分参考文献</a:t>
+            </a:r>
+            <a:endParaRPr lang="zh-CN" altLang="en-US" dirty="0"/>
+          </a:p>
+        </p:txBody>
+      </p:sp>
+      <p:sp>
+        <p:nvSpPr>
+          <p:cNvPr id="3" name="内容占位符 2"/>
+          <p:cNvSpPr>
+            <a:spLocks noGrp="1"/>
+          </p:cNvSpPr>
+          <p:nvPr>
+            <p:ph idx="1"/>
+          </p:nvPr>
+        </p:nvSpPr>
+        <p:spPr/>
+        <p:txBody>
+          <a:bodyPr/>
+          <a:lstStyle/>
+          <a:p>
+            <a:r>
+              <a:rPr lang="en-US" altLang="zh-CN" dirty="0" err="1"/>
+              <a:t>Mnih</a:t>
+            </a:r>
+            <a:r>
               <a:rPr lang="en-US" altLang="zh-CN" dirty="0"/>
-              <a:t>3. Structured output layer</a:t>
+              <a:t> A, </a:t>
+            </a:r>
+            <a:r>
+              <a:rPr lang="en-US" altLang="zh-CN" dirty="0" err="1"/>
+              <a:t>Kavukcuoglu</a:t>
+            </a:r>
+            <a:r>
+              <a:rPr lang="en-US" altLang="zh-CN" dirty="0"/>
+              <a:t> K. Learning word </a:t>
+            </a:r>
+            <a:r>
+              <a:rPr lang="en-US" altLang="zh-CN" dirty="0" err="1"/>
+              <a:t>embeddings</a:t>
+            </a:r>
+            <a:r>
+              <a:rPr lang="en-US" altLang="zh-CN" dirty="0"/>
+              <a:t> efficiently with noise-contrastive estimation[C]//Advances in Neural Information Processing Systems. 2013: 2265-2273.</a:t>
+            </a:r>
+          </a:p>
+          <a:p>
+            <a:r>
+              <a:rPr lang="en-US" altLang="zh-CN" dirty="0" err="1"/>
+              <a:t>Gutmann</a:t>
+            </a:r>
+            <a:r>
+              <a:rPr lang="en-US" altLang="zh-CN" dirty="0"/>
+              <a:t> M, </a:t>
+            </a:r>
+            <a:r>
+              <a:rPr lang="en-US" altLang="zh-CN" dirty="0" err="1"/>
+              <a:t>Hyvärinen</a:t>
+            </a:r>
+            <a:r>
+              <a:rPr lang="en-US" altLang="zh-CN" dirty="0"/>
+              <a:t> A. Noise-contrastive estimation: A new estimation principle for </a:t>
+            </a:r>
+            <a:r>
+              <a:rPr lang="en-US" altLang="zh-CN" dirty="0" err="1"/>
+              <a:t>unnormalized</a:t>
+            </a:r>
+            <a:r>
+              <a:rPr lang="en-US" altLang="zh-CN" dirty="0"/>
+              <a:t> statistical models[C]//AISTATS. 2010, 1(2): 6.</a:t>
+            </a:r>
+          </a:p>
+          <a:p>
+            <a:r>
+              <a:rPr lang="en-US" altLang="zh-CN" dirty="0" err="1"/>
+              <a:t>Mikolov</a:t>
+            </a:r>
+            <a:r>
+              <a:rPr lang="en-US" altLang="zh-CN" dirty="0"/>
+              <a:t> T, </a:t>
+            </a:r>
+            <a:r>
+              <a:rPr lang="en-US" altLang="zh-CN" dirty="0" err="1"/>
+              <a:t>Sutskever</a:t>
+            </a:r>
+            <a:r>
+              <a:rPr lang="en-US" altLang="zh-CN" dirty="0"/>
+              <a:t> I, Chen K, et al. Distributed representations of words and phrases and their compositionality[C]//Advances in neural information processing systems. 2013: 3111-3119.</a:t>
+            </a:r>
+          </a:p>
+          <a:p>
+            <a:r>
+              <a:rPr lang="en-US" altLang="zh-CN" dirty="0" err="1"/>
+              <a:t>Mnih</a:t>
+            </a:r>
+            <a:r>
+              <a:rPr lang="en-US" altLang="zh-CN" dirty="0"/>
+              <a:t> A, </a:t>
+            </a:r>
+            <a:r>
+              <a:rPr lang="en-US" altLang="zh-CN" dirty="0" err="1"/>
+              <a:t>Teh</a:t>
+            </a:r>
+            <a:r>
+              <a:rPr lang="en-US" altLang="zh-CN" dirty="0"/>
+              <a:t> Y W. A fast and simple algorithm for training neural probabilistic language models[J]. </a:t>
+            </a:r>
+            <a:r>
+              <a:rPr lang="en-US" altLang="zh-CN" dirty="0" err="1"/>
+              <a:t>arXiv</a:t>
+            </a:r>
+            <a:r>
+              <a:rPr lang="en-US" altLang="zh-CN" dirty="0"/>
+              <a:t> preprint arXiv:1206.6426, 2012.</a:t>
             </a:r>
             <a:endParaRPr lang="zh-CN" altLang="en-US" dirty="0"/>
           </a:p>
@@ -10558,7 +10199,7 @@
     </p:spTree>
     <p:extLst>
       <p:ext uri="{BB962C8B-B14F-4D97-AF65-F5344CB8AC3E}">
-        <p14:creationId xmlns:p14="http://schemas.microsoft.com/office/powerpoint/2010/main" val="1649834718"/>
+        <p14:creationId xmlns:p14="http://schemas.microsoft.com/office/powerpoint/2010/main" val="2006958150"/>
       </p:ext>
     </p:extLst>
   </p:cSld>
@@ -10568,7 +10209,7 @@
 </p:sld>
 </file>
 
-<file path=ppt/slides/slide17.xml><?xml version="1.0" encoding="utf-8"?>
+<file path=ppt/slides/slide14.xml><?xml version="1.0" encoding="utf-8"?>
 <p:sld xmlns:a="http://schemas.openxmlformats.org/drawingml/2006/main" xmlns:r="http://schemas.openxmlformats.org/officeDocument/2006/relationships" xmlns:p="http://schemas.openxmlformats.org/presentationml/2006/main">
   <p:cSld>
     <p:spTree>
@@ -10587,6 +10228,121 @@
       </p:grpSpPr>
       <p:sp>
         <p:nvSpPr>
+          <p:cNvPr id="4" name="标题 3"/>
+          <p:cNvSpPr>
+            <a:spLocks noGrp="1"/>
+          </p:cNvSpPr>
+          <p:nvPr>
+            <p:ph type="title"/>
+          </p:nvPr>
+        </p:nvSpPr>
+        <p:spPr>
+          <a:xfrm>
+            <a:off x="2589212" y="2058750"/>
+            <a:ext cx="9336088" cy="2456100"/>
+          </a:xfrm>
+        </p:spPr>
+        <p:txBody>
+          <a:bodyPr>
+            <a:normAutofit fontScale="90000"/>
+          </a:bodyPr>
+          <a:lstStyle/>
+          <a:p>
+            <a:r>
+              <a:rPr lang="en-US" altLang="zh-CN" dirty="0"/>
+              <a:t/>
+            </a:r>
+            <a:br>
+              <a:rPr lang="en-US" altLang="zh-CN" dirty="0"/>
+            </a:br>
+            <a:r>
+              <a:rPr lang="zh-CN" altLang="en-US" b="1" dirty="0">
+                <a:ea typeface="楷体_GB2312" pitchFamily="49" charset="-122"/>
+              </a:rPr>
+              <a:t>课题研究内容与关键</a:t>
+            </a:r>
+            <a:r>
+              <a:rPr lang="zh-CN" altLang="en-US" b="1" dirty="0" smtClean="0">
+                <a:ea typeface="楷体_GB2312" pitchFamily="49" charset="-122"/>
+              </a:rPr>
+              <a:t>技术</a:t>
+            </a:r>
+            <a:r>
+              <a:rPr lang="en-US" altLang="zh-CN" dirty="0" smtClean="0">
+                <a:ea typeface="楷体_GB2312" pitchFamily="49" charset="-122"/>
+              </a:rPr>
+              <a:t/>
+            </a:r>
+            <a:br>
+              <a:rPr lang="en-US" altLang="zh-CN" dirty="0" smtClean="0">
+                <a:ea typeface="楷体_GB2312" pitchFamily="49" charset="-122"/>
+              </a:rPr>
+            </a:br>
+            <a:r>
+              <a:rPr lang="en-US" altLang="zh-CN" dirty="0" smtClean="0">
+                <a:ea typeface="楷体_GB2312" pitchFamily="49" charset="-122"/>
+              </a:rPr>
+              <a:t/>
+            </a:r>
+            <a:br>
+              <a:rPr lang="en-US" altLang="zh-CN" dirty="0" smtClean="0">
+                <a:ea typeface="楷体_GB2312" pitchFamily="49" charset="-122"/>
+              </a:rPr>
+            </a:br>
+            <a:r>
+              <a:rPr lang="en-US" altLang="zh-CN" dirty="0" smtClean="0">
+                <a:ea typeface="楷体_GB2312" pitchFamily="49" charset="-122"/>
+              </a:rPr>
+              <a:t>3. </a:t>
+            </a:r>
+            <a:r>
+              <a:rPr lang="en-US" altLang="zh-CN" dirty="0" smtClean="0"/>
+              <a:t>Structured </a:t>
+            </a:r>
+            <a:r>
+              <a:rPr lang="en-US" altLang="zh-CN" dirty="0"/>
+              <a:t>output </a:t>
+            </a:r>
+            <a:r>
+              <a:rPr lang="en-US" altLang="zh-CN" dirty="0" smtClean="0"/>
+              <a:t>layer</a:t>
+            </a:r>
+            <a:endParaRPr lang="zh-CN" altLang="en-US" dirty="0"/>
+          </a:p>
+        </p:txBody>
+      </p:sp>
+    </p:spTree>
+    <p:extLst>
+      <p:ext uri="{BB962C8B-B14F-4D97-AF65-F5344CB8AC3E}">
+        <p14:creationId xmlns:p14="http://schemas.microsoft.com/office/powerpoint/2010/main" val="1649834718"/>
+      </p:ext>
+    </p:extLst>
+  </p:cSld>
+  <p:clrMapOvr>
+    <a:masterClrMapping/>
+  </p:clrMapOvr>
+</p:sld>
+</file>
+
+<file path=ppt/slides/slide15.xml><?xml version="1.0" encoding="utf-8"?>
+<p:sld xmlns:a="http://schemas.openxmlformats.org/drawingml/2006/main" xmlns:r="http://schemas.openxmlformats.org/officeDocument/2006/relationships" xmlns:p="http://schemas.openxmlformats.org/presentationml/2006/main">
+  <p:cSld>
+    <p:spTree>
+      <p:nvGrpSpPr>
+        <p:cNvPr id="1" name=""/>
+        <p:cNvGrpSpPr/>
+        <p:nvPr/>
+      </p:nvGrpSpPr>
+      <p:grpSpPr>
+        <a:xfrm>
+          <a:off x="0" y="0"/>
+          <a:ext cx="0" cy="0"/>
+          <a:chOff x="0" y="0"/>
+          <a:chExt cx="0" cy="0"/>
+        </a:xfrm>
+      </p:grpSpPr>
+      <p:sp>
+        <p:nvSpPr>
           <p:cNvPr id="2" name="标题 1"/>
           <p:cNvSpPr>
             <a:spLocks noGrp="1"/>
@@ -10600,15 +10356,29 @@
           <a:bodyPr/>
           <a:lstStyle/>
           <a:p>
-            <a:r>
-              <a:rPr lang="en-US" altLang="zh-CN" dirty="0"/>
-              <a:t>Hierarchical </a:t>
-            </a:r>
-            <a:r>
-              <a:rPr lang="en-US" altLang="zh-CN" dirty="0" err="1"/>
-              <a:t>softmax</a:t>
-            </a:r>
-            <a:endParaRPr lang="zh-CN" altLang="en-US" dirty="0"/>
+            <a:pPr>
+              <a:spcBef>
+                <a:spcPct val="50000"/>
+              </a:spcBef>
+              <a:buClr>
+                <a:schemeClr val="tx1"/>
+              </a:buClr>
+            </a:pPr>
+            <a:r>
+              <a:rPr lang="zh-CN" altLang="en-US" dirty="0">
+                <a:solidFill>
+                  <a:schemeClr val="tx1"/>
+                </a:solidFill>
+                <a:ea typeface="楷体_GB2312" pitchFamily="49" charset="-122"/>
+              </a:rPr>
+              <a:t>课题研究内容与关键技术</a:t>
+            </a:r>
+            <a:endParaRPr lang="zh-CN" altLang="en-US" dirty="0">
+              <a:solidFill>
+                <a:schemeClr val="tx1"/>
+              </a:solidFill>
+              <a:ea typeface="楷体_GB2312" pitchFamily="49" charset="-122"/>
+            </a:endParaRPr>
           </a:p>
         </p:txBody>
       </p:sp>
@@ -10663,16 +10433,17 @@
           <a:p>
             <a:r>
               <a:rPr lang="en-US" altLang="zh-CN" dirty="0"/>
-              <a:t>3. Adaptive </a:t>
-            </a:r>
-            <a:r>
-              <a:rPr lang="en-US" altLang="zh-CN" dirty="0" err="1"/>
-              <a:t>softmax</a:t>
+              <a:t>3. </a:t>
+            </a:r>
+            <a:r>
+              <a:rPr lang="en-US" altLang="zh-CN" dirty="0" smtClean="0"/>
+              <a:t>word clustering</a:t>
             </a:r>
             <a:r>
               <a:rPr lang="en-US" altLang="zh-CN" dirty="0"/>
               <a:t>.</a:t>
             </a:r>
+            <a:endParaRPr lang="en-US" altLang="zh-CN" dirty="0"/>
           </a:p>
           <a:p>
             <a:endParaRPr lang="en-US" altLang="zh-CN" dirty="0"/>
@@ -10692,7 +10463,7 @@
 </p:sld>
 </file>
 
-<file path=ppt/slides/slide18.xml><?xml version="1.0" encoding="utf-8"?>
+<file path=ppt/slides/slide16.xml><?xml version="1.0" encoding="utf-8"?>
 <p:sld xmlns:a="http://schemas.openxmlformats.org/drawingml/2006/main" xmlns:r="http://schemas.openxmlformats.org/officeDocument/2006/relationships" xmlns:p="http://schemas.openxmlformats.org/presentationml/2006/main">
   <p:cSld>
     <p:spTree>
@@ -10996,7 +10767,7 @@
         </p:blipFill>
         <p:spPr>
           <a:xfrm>
-            <a:off x="3095400" y="3623263"/>
+            <a:off x="3071587" y="2378449"/>
             <a:ext cx="5534100" cy="2161646"/>
           </a:xfrm>
           <a:prstGeom prst="rect">
@@ -11020,7 +10791,7 @@
         </p:blipFill>
         <p:spPr>
           <a:xfrm>
-            <a:off x="3495450" y="2079024"/>
+            <a:off x="3895499" y="5308191"/>
             <a:ext cx="3705225" cy="676275"/>
           </a:xfrm>
           <a:prstGeom prst="rect">
@@ -11041,7 +10812,7 @@
 </p:sld>
 </file>
 
-<file path=ppt/slides/slide19.xml><?xml version="1.0" encoding="utf-8"?>
+<file path=ppt/slides/slide17.xml><?xml version="1.0" encoding="utf-8"?>
 <p:sld xmlns:a="http://schemas.openxmlformats.org/drawingml/2006/main" xmlns:r="http://schemas.openxmlformats.org/officeDocument/2006/relationships" xmlns:p="http://schemas.openxmlformats.org/presentationml/2006/main">
   <p:cSld>
     <p:spTree>
@@ -11111,8 +10882,16 @@
           <a:lstStyle/>
           <a:p>
             <a:r>
+              <a:rPr lang="zh-CN" altLang="en-US" dirty="0" smtClean="0"/>
+              <a:t>加速比：</a:t>
+            </a:r>
+            <a:r>
+              <a:rPr lang="en-US" altLang="zh-CN" dirty="0" smtClean="0"/>
+              <a:t>v/log(V</a:t>
+            </a:r>
+            <a:r>
               <a:rPr lang="en-US" altLang="zh-CN" dirty="0"/>
-              <a:t>Speedup ratio v/log(V)</a:t>
+              <a:t>)</a:t>
             </a:r>
             <a:endParaRPr lang="zh-CN" altLang="en-US" dirty="0"/>
           </a:p>
@@ -11155,112 +10934,7 @@
 </p:sld>
 </file>
 
-<file path=ppt/slides/slide2.xml><?xml version="1.0" encoding="utf-8"?>
-<p:sld xmlns:a="http://schemas.openxmlformats.org/drawingml/2006/main" xmlns:r="http://schemas.openxmlformats.org/officeDocument/2006/relationships" xmlns:p="http://schemas.openxmlformats.org/presentationml/2006/main">
-  <p:cSld>
-    <p:spTree>
-      <p:nvGrpSpPr>
-        <p:cNvPr id="1" name=""/>
-        <p:cNvGrpSpPr/>
-        <p:nvPr/>
-      </p:nvGrpSpPr>
-      <p:grpSpPr>
-        <a:xfrm>
-          <a:off x="0" y="0"/>
-          <a:ext cx="0" cy="0"/>
-          <a:chOff x="0" y="0"/>
-          <a:chExt cx="0" cy="0"/>
-        </a:xfrm>
-      </p:grpSpPr>
-      <p:sp>
-        <p:nvSpPr>
-          <p:cNvPr id="2" name="标题 1"/>
-          <p:cNvSpPr>
-            <a:spLocks noGrp="1"/>
-          </p:cNvSpPr>
-          <p:nvPr>
-            <p:ph type="title"/>
-          </p:nvPr>
-        </p:nvSpPr>
-        <p:spPr/>
-        <p:txBody>
-          <a:bodyPr/>
-          <a:lstStyle/>
-          <a:p>
-            <a:r>
-              <a:rPr lang="zh-CN" altLang="en-US" dirty="0"/>
-              <a:t>论文选题的背景与意义</a:t>
-            </a:r>
-            <a:endParaRPr lang="en-US" dirty="0"/>
-          </a:p>
-        </p:txBody>
-      </p:sp>
-      <p:sp>
-        <p:nvSpPr>
-          <p:cNvPr id="3" name="内容占位符 2"/>
-          <p:cNvSpPr>
-            <a:spLocks noGrp="1"/>
-          </p:cNvSpPr>
-          <p:nvPr>
-            <p:ph idx="1"/>
-          </p:nvPr>
-        </p:nvSpPr>
-        <p:spPr/>
-        <p:txBody>
-          <a:bodyPr/>
-          <a:lstStyle/>
-          <a:p>
-            <a:r>
-              <a:rPr lang="zh-CN" altLang="en-US" dirty="0"/>
-              <a:t>神经网络在语言模型中应用广泛；</a:t>
-            </a:r>
-            <a:endParaRPr lang="en-US" altLang="zh-CN" dirty="0"/>
-          </a:p>
-          <a:p>
-            <a:r>
-              <a:rPr lang="zh-CN" altLang="en-US" dirty="0"/>
-              <a:t>循环神经网络语言模型精确度最好，但是计算费时需要优化。</a:t>
-            </a:r>
-            <a:endParaRPr lang="en-US" altLang="zh-CN" dirty="0"/>
-          </a:p>
-          <a:p>
-            <a:r>
-              <a:rPr lang="zh-CN" altLang="en-US" dirty="0"/>
-              <a:t>本课题调研各种优化方案，并结合各方面的已有成果，在保证模型精度不降低的情况下，使其速度尽可能的达到最快。</a:t>
-            </a:r>
-            <a:endParaRPr lang="en-US" altLang="zh-CN" dirty="0"/>
-          </a:p>
-          <a:p>
-            <a:r>
-              <a:rPr lang="zh-CN" altLang="en-US" dirty="0"/>
-              <a:t>同时我们还考虑了使用当前流行的</a:t>
-            </a:r>
-            <a:r>
-              <a:rPr lang="en-US" altLang="zh-CN" dirty="0"/>
-              <a:t>CUDA</a:t>
-            </a:r>
-            <a:r>
-              <a:rPr lang="zh-CN" altLang="en-US" dirty="0"/>
-              <a:t>计算方案。</a:t>
-            </a:r>
-            <a:endParaRPr lang="en-US" dirty="0"/>
-          </a:p>
-        </p:txBody>
-      </p:sp>
-    </p:spTree>
-    <p:extLst>
-      <p:ext uri="{BB962C8B-B14F-4D97-AF65-F5344CB8AC3E}">
-        <p14:creationId xmlns:p14="http://schemas.microsoft.com/office/powerpoint/2010/main" val="4224584740"/>
-      </p:ext>
-    </p:extLst>
-  </p:cSld>
-  <p:clrMapOvr>
-    <a:masterClrMapping/>
-  </p:clrMapOvr>
-</p:sld>
-</file>
-
-<file path=ppt/slides/slide20.xml><?xml version="1.0" encoding="utf-8"?>
+<file path=ppt/slides/slide18.xml><?xml version="1.0" encoding="utf-8"?>
 <p:sld xmlns:a="http://schemas.openxmlformats.org/drawingml/2006/main" xmlns:r="http://schemas.openxmlformats.org/officeDocument/2006/relationships" xmlns:p="http://schemas.openxmlformats.org/presentationml/2006/main">
   <p:cSld>
     <p:spTree>
@@ -11367,8 +11041,8 @@
           <a:lstStyle/>
           <a:p>
             <a:r>
-              <a:rPr lang="en-US" altLang="zh-CN" dirty="0"/>
-              <a:t>Example</a:t>
+              <a:rPr lang="zh-CN" altLang="en-US" dirty="0" smtClean="0"/>
+              <a:t>模型数学化</a:t>
             </a:r>
             <a:endParaRPr lang="zh-CN" altLang="en-US" dirty="0"/>
           </a:p>
@@ -11411,6 +11085,369 @@
 </p:sld>
 </file>
 
+<file path=ppt/slides/slide19.xml><?xml version="1.0" encoding="utf-8"?>
+<p:sld xmlns:a="http://schemas.openxmlformats.org/drawingml/2006/main" xmlns:r="http://schemas.openxmlformats.org/officeDocument/2006/relationships" xmlns:p="http://schemas.openxmlformats.org/presentationml/2006/main">
+  <p:cSld>
+    <p:spTree>
+      <p:nvGrpSpPr>
+        <p:cNvPr id="1" name=""/>
+        <p:cNvGrpSpPr/>
+        <p:nvPr/>
+      </p:nvGrpSpPr>
+      <p:grpSpPr>
+        <a:xfrm>
+          <a:off x="0" y="0"/>
+          <a:ext cx="0" cy="0"/>
+          <a:chOff x="0" y="0"/>
+          <a:chExt cx="0" cy="0"/>
+        </a:xfrm>
+      </p:grpSpPr>
+      <p:sp>
+        <p:nvSpPr>
+          <p:cNvPr id="2" name="标题 1"/>
+          <p:cNvSpPr>
+            <a:spLocks noGrp="1"/>
+          </p:cNvSpPr>
+          <p:nvPr>
+            <p:ph type="title"/>
+          </p:nvPr>
+        </p:nvSpPr>
+        <p:spPr/>
+        <p:txBody>
+          <a:bodyPr/>
+          <a:lstStyle/>
+          <a:p>
+            <a:r>
+              <a:rPr lang="zh-CN" altLang="en-US" dirty="0" smtClean="0"/>
+              <a:t>构建树的策略</a:t>
+            </a:r>
+            <a:endParaRPr lang="en-US" altLang="zh-CN" dirty="0"/>
+          </a:p>
+        </p:txBody>
+      </p:sp>
+      <p:sp>
+        <p:nvSpPr>
+          <p:cNvPr id="3" name="内容占位符 2"/>
+          <p:cNvSpPr>
+            <a:spLocks noGrp="1"/>
+          </p:cNvSpPr>
+          <p:nvPr>
+            <p:ph idx="1"/>
+          </p:nvPr>
+        </p:nvSpPr>
+        <p:spPr/>
+        <p:txBody>
+          <a:bodyPr/>
+          <a:lstStyle/>
+          <a:p>
+            <a:r>
+              <a:rPr lang="zh-CN" altLang="en-US" dirty="0" smtClean="0"/>
+              <a:t>均匀</a:t>
+            </a:r>
+            <a:r>
+              <a:rPr lang="zh-CN" altLang="en-US" dirty="0"/>
+              <a:t>划分单词类别</a:t>
+            </a:r>
+            <a:r>
+              <a:rPr lang="zh-CN" altLang="en-US" dirty="0" smtClean="0"/>
+              <a:t>：</a:t>
+            </a:r>
+            <a:endParaRPr lang="en-US" altLang="zh-CN" dirty="0" smtClean="0"/>
+          </a:p>
+          <a:p>
+            <a:pPr lvl="1"/>
+            <a:r>
+              <a:rPr lang="en-US" altLang="zh-CN" dirty="0"/>
+              <a:t>Frequency binning</a:t>
+            </a:r>
+            <a:r>
+              <a:rPr lang="en-US" altLang="zh-CN" dirty="0" smtClean="0"/>
+              <a:t>.</a:t>
+            </a:r>
+            <a:endParaRPr lang="en-US" altLang="zh-CN" dirty="0"/>
+          </a:p>
+          <a:p>
+            <a:pPr lvl="1"/>
+            <a:r>
+              <a:rPr lang="en-US" altLang="zh-CN" dirty="0"/>
+              <a:t>Word-net binning</a:t>
+            </a:r>
+            <a:r>
+              <a:rPr lang="en-US" altLang="zh-CN" dirty="0" smtClean="0"/>
+              <a:t>.</a:t>
+            </a:r>
+            <a:endParaRPr lang="en-US" altLang="zh-CN" dirty="0"/>
+          </a:p>
+          <a:p>
+            <a:pPr lvl="1"/>
+            <a:r>
+              <a:rPr lang="en-US" altLang="zh-CN" dirty="0" smtClean="0"/>
+              <a:t>word-embedding </a:t>
+            </a:r>
+            <a:r>
+              <a:rPr lang="en-US" altLang="zh-CN" dirty="0"/>
+              <a:t>clustering</a:t>
+            </a:r>
+            <a:r>
+              <a:rPr lang="en-US" altLang="zh-CN" dirty="0" smtClean="0"/>
+              <a:t>.</a:t>
+            </a:r>
+          </a:p>
+          <a:p>
+            <a:pPr lvl="1"/>
+            <a:endParaRPr lang="en-US" altLang="zh-CN" dirty="0"/>
+          </a:p>
+          <a:p>
+            <a:r>
+              <a:rPr lang="zh-CN" altLang="en-US" dirty="0" smtClean="0"/>
+              <a:t>非均匀划分单词类别：</a:t>
+            </a:r>
+            <a:endParaRPr lang="en-US" altLang="zh-CN" dirty="0" smtClean="0"/>
+          </a:p>
+          <a:p>
+            <a:pPr lvl="1"/>
+            <a:r>
+              <a:rPr lang="en-US" altLang="zh-CN" dirty="0"/>
+              <a:t>Brown clustering</a:t>
+            </a:r>
+            <a:endParaRPr lang="zh-CN" altLang="en-US" dirty="0"/>
+          </a:p>
+          <a:p>
+            <a:endParaRPr lang="en-US" altLang="zh-CN" dirty="0"/>
+          </a:p>
+          <a:p>
+            <a:endParaRPr lang="en-US" dirty="0"/>
+          </a:p>
+        </p:txBody>
+      </p:sp>
+    </p:spTree>
+    <p:extLst>
+      <p:ext uri="{BB962C8B-B14F-4D97-AF65-F5344CB8AC3E}">
+        <p14:creationId xmlns:p14="http://schemas.microsoft.com/office/powerpoint/2010/main" val="478055726"/>
+      </p:ext>
+    </p:extLst>
+  </p:cSld>
+  <p:clrMapOvr>
+    <a:masterClrMapping/>
+  </p:clrMapOvr>
+</p:sld>
+</file>
+
+<file path=ppt/slides/slide2.xml><?xml version="1.0" encoding="utf-8"?>
+<p:sld xmlns:a="http://schemas.openxmlformats.org/drawingml/2006/main" xmlns:r="http://schemas.openxmlformats.org/officeDocument/2006/relationships" xmlns:p="http://schemas.openxmlformats.org/presentationml/2006/main">
+  <p:cSld>
+    <p:spTree>
+      <p:nvGrpSpPr>
+        <p:cNvPr id="1" name=""/>
+        <p:cNvGrpSpPr/>
+        <p:nvPr/>
+      </p:nvGrpSpPr>
+      <p:grpSpPr>
+        <a:xfrm>
+          <a:off x="0" y="0"/>
+          <a:ext cx="0" cy="0"/>
+          <a:chOff x="0" y="0"/>
+          <a:chExt cx="0" cy="0"/>
+        </a:xfrm>
+      </p:grpSpPr>
+      <p:sp>
+        <p:nvSpPr>
+          <p:cNvPr id="2" name="标题 1"/>
+          <p:cNvSpPr>
+            <a:spLocks noGrp="1"/>
+          </p:cNvSpPr>
+          <p:nvPr>
+            <p:ph type="title"/>
+          </p:nvPr>
+        </p:nvSpPr>
+        <p:spPr/>
+        <p:txBody>
+          <a:bodyPr/>
+          <a:lstStyle/>
+          <a:p>
+            <a:r>
+              <a:rPr lang="zh-CN" altLang="en-US" dirty="0"/>
+              <a:t>论文选题的背景与意义</a:t>
+            </a:r>
+            <a:endParaRPr lang="en-US" dirty="0"/>
+          </a:p>
+        </p:txBody>
+      </p:sp>
+      <p:sp>
+        <p:nvSpPr>
+          <p:cNvPr id="3" name="内容占位符 2"/>
+          <p:cNvSpPr>
+            <a:spLocks noGrp="1"/>
+          </p:cNvSpPr>
+          <p:nvPr>
+            <p:ph idx="1"/>
+          </p:nvPr>
+        </p:nvSpPr>
+        <p:spPr/>
+        <p:txBody>
+          <a:bodyPr/>
+          <a:lstStyle/>
+          <a:p>
+            <a:r>
+              <a:rPr lang="zh-CN" altLang="en-US" dirty="0"/>
+              <a:t>神经网络在语言模型中应用广泛；</a:t>
+            </a:r>
+            <a:endParaRPr lang="en-US" altLang="zh-CN" dirty="0"/>
+          </a:p>
+          <a:p>
+            <a:r>
+              <a:rPr lang="zh-CN" altLang="en-US" dirty="0"/>
+              <a:t>循环神经网络语言模型精确度最好，但是计算费时需要优化。</a:t>
+            </a:r>
+            <a:endParaRPr lang="en-US" altLang="zh-CN" dirty="0"/>
+          </a:p>
+          <a:p>
+            <a:r>
+              <a:rPr lang="zh-CN" altLang="en-US" dirty="0"/>
+              <a:t>本课题调研各种优化方案，并结合各方面的已有成果，在保证模型精度不降低的情况下，使其速度尽可能的达到最快。</a:t>
+            </a:r>
+            <a:endParaRPr lang="en-US" altLang="zh-CN" dirty="0"/>
+          </a:p>
+          <a:p>
+            <a:r>
+              <a:rPr lang="zh-CN" altLang="en-US" dirty="0"/>
+              <a:t>同时我们还考虑了使用当前流行的</a:t>
+            </a:r>
+            <a:r>
+              <a:rPr lang="en-US" altLang="zh-CN" dirty="0"/>
+              <a:t>CUDA</a:t>
+            </a:r>
+            <a:r>
+              <a:rPr lang="zh-CN" altLang="en-US" dirty="0"/>
+              <a:t>计算方案。</a:t>
+            </a:r>
+            <a:endParaRPr lang="en-US" dirty="0"/>
+          </a:p>
+        </p:txBody>
+      </p:sp>
+    </p:spTree>
+    <p:extLst>
+      <p:ext uri="{BB962C8B-B14F-4D97-AF65-F5344CB8AC3E}">
+        <p14:creationId xmlns:p14="http://schemas.microsoft.com/office/powerpoint/2010/main" val="4224584740"/>
+      </p:ext>
+    </p:extLst>
+  </p:cSld>
+  <p:clrMapOvr>
+    <a:masterClrMapping/>
+  </p:clrMapOvr>
+  <p:timing>
+    <p:tnLst>
+      <p:par>
+        <p:cTn id="1" dur="indefinite" restart="never" nodeType="tmRoot"/>
+      </p:par>
+    </p:tnLst>
+  </p:timing>
+</p:sld>
+</file>
+
+<file path=ppt/slides/slide20.xml><?xml version="1.0" encoding="utf-8"?>
+<p:sld xmlns:a="http://schemas.openxmlformats.org/drawingml/2006/main" xmlns:r="http://schemas.openxmlformats.org/officeDocument/2006/relationships" xmlns:p="http://schemas.openxmlformats.org/presentationml/2006/main">
+  <p:cSld>
+    <p:spTree>
+      <p:nvGrpSpPr>
+        <p:cNvPr id="1" name=""/>
+        <p:cNvGrpSpPr/>
+        <p:nvPr/>
+      </p:nvGrpSpPr>
+      <p:grpSpPr>
+        <a:xfrm>
+          <a:off x="0" y="0"/>
+          <a:ext cx="0" cy="0"/>
+          <a:chOff x="0" y="0"/>
+          <a:chExt cx="0" cy="0"/>
+        </a:xfrm>
+      </p:grpSpPr>
+      <p:sp>
+        <p:nvSpPr>
+          <p:cNvPr id="2" name="标题 1"/>
+          <p:cNvSpPr>
+            <a:spLocks noGrp="1"/>
+          </p:cNvSpPr>
+          <p:nvPr>
+            <p:ph type="title"/>
+          </p:nvPr>
+        </p:nvSpPr>
+        <p:spPr/>
+        <p:txBody>
+          <a:bodyPr/>
+          <a:lstStyle/>
+          <a:p>
+            <a:r>
+              <a:rPr lang="zh-CN" altLang="en-US" dirty="0" smtClean="0"/>
+              <a:t>评价指标</a:t>
+            </a:r>
+            <a:endParaRPr lang="zh-CN" altLang="en-US" dirty="0"/>
+          </a:p>
+        </p:txBody>
+      </p:sp>
+      <p:sp>
+        <p:nvSpPr>
+          <p:cNvPr id="3" name="内容占位符 2"/>
+          <p:cNvSpPr>
+            <a:spLocks noGrp="1"/>
+          </p:cNvSpPr>
+          <p:nvPr>
+            <p:ph idx="1"/>
+          </p:nvPr>
+        </p:nvSpPr>
+        <p:spPr/>
+        <p:txBody>
+          <a:bodyPr>
+            <a:normAutofit/>
+          </a:bodyPr>
+          <a:lstStyle/>
+          <a:p>
+            <a:r>
+              <a:rPr lang="zh-CN" altLang="en-US" sz="2400" dirty="0" smtClean="0"/>
+              <a:t>混杂度</a:t>
+            </a:r>
+            <a:r>
+              <a:rPr lang="en-US" altLang="zh-CN" sz="2400" dirty="0" smtClean="0"/>
+              <a:t>(Perplexity).</a:t>
+            </a:r>
+            <a:endParaRPr lang="en-US" altLang="zh-CN" sz="2400" dirty="0"/>
+          </a:p>
+          <a:p>
+            <a:r>
+              <a:rPr lang="zh-CN" altLang="en-US" sz="2400" dirty="0" smtClean="0"/>
+              <a:t>计算复杂度</a:t>
+            </a:r>
+            <a:endParaRPr lang="en-US" altLang="zh-CN" sz="2400" dirty="0" smtClean="0"/>
+          </a:p>
+          <a:p>
+            <a:r>
+              <a:rPr lang="zh-CN" altLang="en-US" sz="2400" dirty="0" smtClean="0"/>
+              <a:t>训练参数</a:t>
+            </a:r>
+            <a:endParaRPr lang="zh-CN" altLang="en-US" sz="2400" dirty="0"/>
+          </a:p>
+        </p:txBody>
+      </p:sp>
+    </p:spTree>
+    <p:extLst>
+      <p:ext uri="{BB962C8B-B14F-4D97-AF65-F5344CB8AC3E}">
+        <p14:creationId xmlns:p14="http://schemas.microsoft.com/office/powerpoint/2010/main" val="2973426619"/>
+      </p:ext>
+    </p:extLst>
+  </p:cSld>
+  <p:clrMapOvr>
+    <a:masterClrMapping/>
+  </p:clrMapOvr>
+  <p:timing>
+    <p:tnLst>
+      <p:par>
+        <p:cTn id="1" dur="indefinite" restart="never" nodeType="tmRoot"/>
+      </p:par>
+    </p:tnLst>
+  </p:timing>
+</p:sld>
+</file>
+
 <file path=ppt/slides/slide21.xml><?xml version="1.0" encoding="utf-8"?>
 <p:sld xmlns:a="http://schemas.openxmlformats.org/drawingml/2006/main" xmlns:r="http://schemas.openxmlformats.org/officeDocument/2006/relationships" xmlns:p="http://schemas.openxmlformats.org/presentationml/2006/main">
   <p:cSld>
@@ -11444,12 +11481,8 @@
           <a:lstStyle/>
           <a:p>
             <a:r>
-              <a:rPr lang="en-US" altLang="zh-CN" dirty="0"/>
-              <a:t>3.3 Adaptive </a:t>
-            </a:r>
-            <a:r>
-              <a:rPr lang="en-US" altLang="zh-CN" dirty="0" err="1"/>
-              <a:t>softmax</a:t>
+              <a:rPr lang="zh-CN" altLang="en-US" dirty="0" smtClean="0"/>
+              <a:t>一些现有的代码库</a:t>
             </a:r>
             <a:endParaRPr lang="zh-CN" altLang="en-US" dirty="0"/>
           </a:p>
@@ -11470,62 +11503,107 @@
           <a:bodyPr/>
           <a:lstStyle/>
           <a:p>
+            <a:pPr marL="0" indent="0">
+              <a:buNone/>
+            </a:pPr>
+            <a:r>
+              <a:rPr lang="en-US" altLang="zh-CN" dirty="0">
+                <a:solidFill>
+                  <a:schemeClr val="tx1">
+                    <a:lumMod val="95000"/>
+                    <a:lumOff val="5000"/>
+                  </a:schemeClr>
+                </a:solidFill>
+              </a:rPr>
+              <a:t>Theano</a:t>
+            </a:r>
+            <a:endParaRPr lang="en-US" altLang="zh-CN" dirty="0">
+              <a:solidFill>
+                <a:schemeClr val="tx1">
+                  <a:lumMod val="95000"/>
+                  <a:lumOff val="5000"/>
+                </a:schemeClr>
+              </a:solidFill>
+              <a:hlinkClick r:id="rId2"/>
+            </a:endParaRPr>
+          </a:p>
+          <a:p>
+            <a:r>
+              <a:rPr lang="en-US" altLang="zh-CN" dirty="0">
+                <a:hlinkClick r:id="rId2"/>
+              </a:rPr>
+              <a:t>https://github.com/jiangnanHugo/language_modeling</a:t>
+            </a:r>
+            <a:endParaRPr lang="en-US" altLang="zh-CN" dirty="0"/>
+          </a:p>
+          <a:p>
+            <a:r>
+              <a:rPr lang="en-US" altLang="zh-CN" dirty="0">
+                <a:hlinkClick r:id="rId3"/>
+              </a:rPr>
+              <a:t>https://github.com/pascal20100/factored_output_layer</a:t>
+            </a:r>
+            <a:endParaRPr lang="en-US" altLang="zh-CN" dirty="0"/>
+          </a:p>
+          <a:p>
+            <a:pPr marL="0" indent="0">
+              <a:buNone/>
+            </a:pPr>
             <a:r>
               <a:rPr lang="en-US" altLang="zh-CN" dirty="0"/>
-              <a:t>Split vocabulary into 2 part: </a:t>
-            </a:r>
+              <a:t>C++</a:t>
+            </a:r>
+          </a:p>
+          <a:p>
+            <a:r>
+              <a:rPr lang="en-US" altLang="zh-CN" dirty="0">
+                <a:hlinkClick r:id="rId4"/>
+              </a:rPr>
+              <a:t>https://github.com/IntelLabs/rnnlm</a:t>
+            </a:r>
+            <a:endParaRPr lang="en-US" altLang="zh-CN" dirty="0"/>
+          </a:p>
+          <a:p>
+            <a:pPr marL="0" indent="0">
+              <a:buNone/>
+            </a:pPr>
+            <a:r>
+              <a:rPr lang="en-US" altLang="zh-CN" dirty="0"/>
+              <a:t>CUDA</a:t>
+            </a:r>
+          </a:p>
+          <a:p>
+            <a:r>
+              <a:rPr lang="en-US" altLang="zh-CN" dirty="0">
+                <a:hlinkClick r:id="rId5"/>
+              </a:rPr>
+              <a:t>https://github.com/isi-nlp/Zoph_RNN</a:t>
+            </a:r>
+            <a:endParaRPr lang="en-US" altLang="zh-CN" dirty="0"/>
+          </a:p>
+          <a:p>
+            <a:pPr marL="0" indent="0">
+              <a:buNone/>
+            </a:pPr>
             <a:r>
               <a:rPr lang="en-US" altLang="zh-CN" dirty="0" err="1"/>
-              <a:t>V</a:t>
-            </a:r>
-            <a:r>
-              <a:rPr lang="en-US" altLang="zh-CN" baseline="-25000" dirty="0" err="1"/>
-              <a:t>h</a:t>
-            </a:r>
+              <a:t>Tensorflow</a:t>
+            </a:r>
+            <a:endParaRPr lang="en-US" altLang="zh-CN" dirty="0"/>
+          </a:p>
+          <a:p>
             <a:r>
               <a:rPr lang="en-US" altLang="zh-CN" dirty="0"/>
-              <a:t> &amp; </a:t>
-            </a:r>
-            <a:r>
-              <a:rPr lang="en-US" altLang="zh-CN" dirty="0" err="1"/>
-              <a:t>V</a:t>
-            </a:r>
-            <a:r>
-              <a:rPr lang="en-US" altLang="zh-CN" baseline="-25000" dirty="0" err="1"/>
-              <a:t>t</a:t>
-            </a:r>
-            <a:endParaRPr lang="zh-CN" altLang="en-US" baseline="-25000" dirty="0"/>
-          </a:p>
-        </p:txBody>
-      </p:sp>
-      <p:pic>
-        <p:nvPicPr>
-          <p:cNvPr id="4" name="图片 3"/>
-          <p:cNvPicPr>
-            <a:picLocks noChangeAspect="1"/>
-          </p:cNvPicPr>
-          <p:nvPr/>
-        </p:nvPicPr>
-        <p:blipFill>
-          <a:blip r:embed="rId2"/>
-          <a:stretch>
-            <a:fillRect/>
-          </a:stretch>
-        </p:blipFill>
-        <p:spPr>
-          <a:xfrm>
-            <a:off x="3686159" y="3574355"/>
-            <a:ext cx="5797629" cy="2171795"/>
-          </a:xfrm>
-          <a:prstGeom prst="rect">
-            <a:avLst/>
-          </a:prstGeom>
-        </p:spPr>
-      </p:pic>
+              <a:t>https://github.com/tensorflow/models/tree/master/lm_1b</a:t>
+            </a:r>
+            <a:endParaRPr lang="zh-CN" altLang="en-US" dirty="0"/>
+          </a:p>
+        </p:txBody>
+      </p:sp>
     </p:spTree>
     <p:extLst>
       <p:ext uri="{BB962C8B-B14F-4D97-AF65-F5344CB8AC3E}">
-        <p14:creationId xmlns:p14="http://schemas.microsoft.com/office/powerpoint/2010/main" val="3535033514"/>
+        <p14:creationId xmlns:p14="http://schemas.microsoft.com/office/powerpoint/2010/main" val="1757990080"/>
       </p:ext>
     </p:extLst>
   </p:cSld>
@@ -11568,9 +11646,10 @@
           <a:lstStyle/>
           <a:p>
             <a:r>
-              <a:rPr lang="en-US" altLang="zh-CN" dirty="0"/>
-              <a:t>Tree construction rules.</a:t>
-            </a:r>
+              <a:rPr lang="zh-CN" altLang="en-US" dirty="0"/>
+              <a:t>开发环境设置</a:t>
+            </a:r>
+            <a:endParaRPr lang="en-US" dirty="0"/>
           </a:p>
         </p:txBody>
       </p:sp>
@@ -11589,40 +11668,95 @@
           <a:bodyPr/>
           <a:lstStyle/>
           <a:p>
-            <a:pPr lvl="1"/>
+            <a:r>
+              <a:rPr lang="en-US" dirty="0"/>
+              <a:t>Linux</a:t>
+            </a:r>
+            <a:r>
+              <a:rPr lang="zh-CN" altLang="en-US" dirty="0"/>
+              <a:t>：</a:t>
+            </a:r>
+            <a:r>
+              <a:rPr lang="en-US" dirty="0"/>
+              <a:t> </a:t>
+            </a:r>
+            <a:r>
+              <a:rPr lang="zh-CN" altLang="en-US" dirty="0"/>
+              <a:t>操作系统</a:t>
+            </a:r>
+          </a:p>
+          <a:p>
             <a:r>
               <a:rPr lang="en-US" altLang="zh-CN" dirty="0"/>
-              <a:t>Frequency binning.</a:t>
-            </a:r>
-          </a:p>
-          <a:p>
-            <a:pPr lvl="1"/>
+              <a:t>R</a:t>
+            </a:r>
+            <a:r>
+              <a:rPr lang="zh-CN" altLang="en-US" dirty="0"/>
+              <a:t>：</a:t>
+            </a:r>
+            <a:r>
+              <a:rPr lang="en-US" altLang="zh-CN" dirty="0"/>
+              <a:t> </a:t>
+            </a:r>
+            <a:r>
+              <a:rPr lang="zh-CN" altLang="en-US" dirty="0"/>
+              <a:t>主要用于数据统计和图表处理</a:t>
+            </a:r>
+          </a:p>
+          <a:p>
+            <a:r>
+              <a:rPr lang="en-US" altLang="zh-CN" dirty="0"/>
+              <a:t>Python2.7</a:t>
+            </a:r>
+            <a:r>
+              <a:rPr lang="zh-CN" altLang="en-US" dirty="0"/>
+              <a:t>：</a:t>
+            </a:r>
+            <a:r>
+              <a:rPr lang="en-US" altLang="zh-CN" dirty="0"/>
+              <a:t> </a:t>
+            </a:r>
+            <a:r>
+              <a:rPr lang="zh-CN" altLang="en-US" dirty="0"/>
+              <a:t>使用的开发语言和开发环境</a:t>
+            </a:r>
+          </a:p>
+          <a:p>
+            <a:r>
+              <a:rPr lang="en-US" dirty="0" err="1"/>
+              <a:t>Theano</a:t>
+            </a:r>
+            <a:r>
+              <a:rPr lang="zh-CN" altLang="en-US" dirty="0"/>
+              <a:t>：</a:t>
+            </a:r>
+            <a:r>
+              <a:rPr lang="en-US" dirty="0"/>
+              <a:t> </a:t>
+            </a:r>
+            <a:r>
+              <a:rPr lang="zh-CN" altLang="en-US" dirty="0"/>
+              <a:t>主要的建模语言</a:t>
+            </a:r>
             <a:endParaRPr lang="en-US" altLang="zh-CN" dirty="0"/>
           </a:p>
           <a:p>
-            <a:pPr lvl="1"/>
+            <a:r>
+              <a:rPr lang="zh-CN" altLang="en-US" dirty="0"/>
+              <a:t>其他：</a:t>
+            </a:r>
             <a:r>
               <a:rPr lang="en-US" altLang="zh-CN" dirty="0"/>
-              <a:t>Word-net binning.</a:t>
-            </a:r>
-          </a:p>
-          <a:p>
-            <a:pPr lvl="1"/>
-            <a:endParaRPr lang="en-US" altLang="zh-CN" dirty="0"/>
-          </a:p>
-          <a:p>
-            <a:pPr lvl="1"/>
-            <a:r>
-              <a:rPr lang="en-US" altLang="zh-CN" dirty="0" err="1"/>
-              <a:t>kmean+word-embedding</a:t>
-            </a:r>
-            <a:r>
-              <a:rPr lang="en-US" altLang="zh-CN" dirty="0"/>
-              <a:t> clustering.</a:t>
-            </a:r>
-            <a:endParaRPr lang="zh-CN" altLang="en-US" dirty="0"/>
-          </a:p>
-          <a:p>
+              <a:t>bash script </a:t>
+            </a:r>
+            <a:r>
+              <a:rPr lang="zh-CN" altLang="en-US" dirty="0" smtClean="0"/>
+              <a:t>和 </a:t>
+            </a:r>
+            <a:r>
+              <a:rPr lang="en-US" altLang="zh-CN" dirty="0" err="1" smtClean="0"/>
+              <a:t>cuda</a:t>
+            </a:r>
             <a:endParaRPr lang="en-US" dirty="0"/>
           </a:p>
         </p:txBody>
@@ -11630,7 +11764,7 @@
     </p:spTree>
     <p:extLst>
       <p:ext uri="{BB962C8B-B14F-4D97-AF65-F5344CB8AC3E}">
-        <p14:creationId xmlns:p14="http://schemas.microsoft.com/office/powerpoint/2010/main" val="478055726"/>
+        <p14:creationId xmlns:p14="http://schemas.microsoft.com/office/powerpoint/2010/main" val="2328809589"/>
       </p:ext>
     </p:extLst>
   </p:cSld>
@@ -11673,10 +11807,10 @@
           <a:lstStyle/>
           <a:p>
             <a:r>
-              <a:rPr lang="en-US" altLang="zh-CN" dirty="0"/>
-              <a:t>Some resource</a:t>
-            </a:r>
-            <a:endParaRPr lang="zh-CN" altLang="en-US" dirty="0"/>
+              <a:rPr lang="zh-CN" altLang="en-US" dirty="0"/>
+              <a:t>时间安排</a:t>
+            </a:r>
+            <a:endParaRPr lang="en-US" dirty="0"/>
           </a:p>
         </p:txBody>
       </p:sp>
@@ -11695,332 +11829,6 @@
           <a:bodyPr/>
           <a:lstStyle/>
           <a:p>
-            <a:pPr marL="0" indent="0">
-              <a:buNone/>
-            </a:pPr>
-            <a:r>
-              <a:rPr lang="en-US" altLang="zh-CN" dirty="0">
-                <a:solidFill>
-                  <a:schemeClr val="tx1">
-                    <a:lumMod val="95000"/>
-                    <a:lumOff val="5000"/>
-                  </a:schemeClr>
-                </a:solidFill>
-              </a:rPr>
-              <a:t>Theano</a:t>
-            </a:r>
-            <a:endParaRPr lang="en-US" altLang="zh-CN" dirty="0">
-              <a:solidFill>
-                <a:schemeClr val="tx1">
-                  <a:lumMod val="95000"/>
-                  <a:lumOff val="5000"/>
-                </a:schemeClr>
-              </a:solidFill>
-              <a:hlinkClick r:id="rId2"/>
-            </a:endParaRPr>
-          </a:p>
-          <a:p>
-            <a:r>
-              <a:rPr lang="en-US" altLang="zh-CN" dirty="0">
-                <a:hlinkClick r:id="rId2"/>
-              </a:rPr>
-              <a:t>https://github.com/jiangnanHugo/language_modeling</a:t>
-            </a:r>
-            <a:endParaRPr lang="en-US" altLang="zh-CN" dirty="0"/>
-          </a:p>
-          <a:p>
-            <a:r>
-              <a:rPr lang="en-US" altLang="zh-CN" dirty="0">
-                <a:hlinkClick r:id="rId3"/>
-              </a:rPr>
-              <a:t>https://github.com/pascal20100/factored_output_layer</a:t>
-            </a:r>
-            <a:endParaRPr lang="en-US" altLang="zh-CN" dirty="0"/>
-          </a:p>
-          <a:p>
-            <a:pPr marL="0" indent="0">
-              <a:buNone/>
-            </a:pPr>
-            <a:r>
-              <a:rPr lang="en-US" altLang="zh-CN" dirty="0"/>
-              <a:t>C++</a:t>
-            </a:r>
-          </a:p>
-          <a:p>
-            <a:r>
-              <a:rPr lang="en-US" altLang="zh-CN" dirty="0">
-                <a:hlinkClick r:id="rId4"/>
-              </a:rPr>
-              <a:t>https://github.com/IntelLabs/rnnlm</a:t>
-            </a:r>
-            <a:endParaRPr lang="en-US" altLang="zh-CN" dirty="0"/>
-          </a:p>
-          <a:p>
-            <a:pPr marL="0" indent="0">
-              <a:buNone/>
-            </a:pPr>
-            <a:r>
-              <a:rPr lang="en-US" altLang="zh-CN" dirty="0"/>
-              <a:t>CUDA</a:t>
-            </a:r>
-          </a:p>
-          <a:p>
-            <a:r>
-              <a:rPr lang="en-US" altLang="zh-CN" dirty="0">
-                <a:hlinkClick r:id="rId5"/>
-              </a:rPr>
-              <a:t>https://github.com/isi-nlp/Zoph_RNN</a:t>
-            </a:r>
-            <a:endParaRPr lang="en-US" altLang="zh-CN" dirty="0"/>
-          </a:p>
-          <a:p>
-            <a:pPr marL="0" indent="0">
-              <a:buNone/>
-            </a:pPr>
-            <a:r>
-              <a:rPr lang="en-US" altLang="zh-CN" dirty="0" err="1"/>
-              <a:t>Tensorflow</a:t>
-            </a:r>
-            <a:endParaRPr lang="en-US" altLang="zh-CN" dirty="0"/>
-          </a:p>
-          <a:p>
-            <a:r>
-              <a:rPr lang="en-US" altLang="zh-CN" dirty="0"/>
-              <a:t>https://github.com/tensorflow/models/tree/master/lm_1b</a:t>
-            </a:r>
-            <a:endParaRPr lang="zh-CN" altLang="en-US" dirty="0"/>
-          </a:p>
-        </p:txBody>
-      </p:sp>
-    </p:spTree>
-    <p:extLst>
-      <p:ext uri="{BB962C8B-B14F-4D97-AF65-F5344CB8AC3E}">
-        <p14:creationId xmlns:p14="http://schemas.microsoft.com/office/powerpoint/2010/main" val="1757990080"/>
-      </p:ext>
-    </p:extLst>
-  </p:cSld>
-  <p:clrMapOvr>
-    <a:masterClrMapping/>
-  </p:clrMapOvr>
-</p:sld>
-</file>
-
-<file path=ppt/slides/slide24.xml><?xml version="1.0" encoding="utf-8"?>
-<p:sld xmlns:a="http://schemas.openxmlformats.org/drawingml/2006/main" xmlns:r="http://schemas.openxmlformats.org/officeDocument/2006/relationships" xmlns:p="http://schemas.openxmlformats.org/presentationml/2006/main">
-  <p:cSld>
-    <p:spTree>
-      <p:nvGrpSpPr>
-        <p:cNvPr id="1" name=""/>
-        <p:cNvGrpSpPr/>
-        <p:nvPr/>
-      </p:nvGrpSpPr>
-      <p:grpSpPr>
-        <a:xfrm>
-          <a:off x="0" y="0"/>
-          <a:ext cx="0" cy="0"/>
-          <a:chOff x="0" y="0"/>
-          <a:chExt cx="0" cy="0"/>
-        </a:xfrm>
-      </p:grpSpPr>
-      <p:sp>
-        <p:nvSpPr>
-          <p:cNvPr id="2" name="标题 1"/>
-          <p:cNvSpPr>
-            <a:spLocks noGrp="1"/>
-          </p:cNvSpPr>
-          <p:nvPr>
-            <p:ph type="title"/>
-          </p:nvPr>
-        </p:nvSpPr>
-        <p:spPr/>
-        <p:txBody>
-          <a:bodyPr/>
-          <a:lstStyle/>
-          <a:p>
-            <a:r>
-              <a:rPr lang="zh-CN" altLang="en-US" dirty="0"/>
-              <a:t>开发环境设置</a:t>
-            </a:r>
-            <a:endParaRPr lang="en-US" dirty="0"/>
-          </a:p>
-        </p:txBody>
-      </p:sp>
-      <p:sp>
-        <p:nvSpPr>
-          <p:cNvPr id="3" name="内容占位符 2"/>
-          <p:cNvSpPr>
-            <a:spLocks noGrp="1"/>
-          </p:cNvSpPr>
-          <p:nvPr>
-            <p:ph idx="1"/>
-          </p:nvPr>
-        </p:nvSpPr>
-        <p:spPr/>
-        <p:txBody>
-          <a:bodyPr/>
-          <a:lstStyle/>
-          <a:p>
-            <a:r>
-              <a:rPr lang="en-US" dirty="0"/>
-              <a:t>Linux</a:t>
-            </a:r>
-            <a:r>
-              <a:rPr lang="zh-CN" altLang="en-US" dirty="0"/>
-              <a:t>：</a:t>
-            </a:r>
-            <a:r>
-              <a:rPr lang="en-US" dirty="0"/>
-              <a:t> </a:t>
-            </a:r>
-            <a:r>
-              <a:rPr lang="zh-CN" altLang="en-US" dirty="0"/>
-              <a:t>操作系统</a:t>
-            </a:r>
-          </a:p>
-          <a:p>
-            <a:r>
-              <a:rPr lang="en-US" altLang="zh-CN" dirty="0"/>
-              <a:t>R</a:t>
-            </a:r>
-            <a:r>
-              <a:rPr lang="zh-CN" altLang="en-US" dirty="0"/>
-              <a:t>：</a:t>
-            </a:r>
-            <a:r>
-              <a:rPr lang="en-US" altLang="zh-CN" dirty="0"/>
-              <a:t> </a:t>
-            </a:r>
-            <a:r>
-              <a:rPr lang="zh-CN" altLang="en-US" dirty="0"/>
-              <a:t>主要用于数据统计和图表处理</a:t>
-            </a:r>
-          </a:p>
-          <a:p>
-            <a:r>
-              <a:rPr lang="en-US" altLang="zh-CN" dirty="0"/>
-              <a:t>Python2.7</a:t>
-            </a:r>
-            <a:r>
-              <a:rPr lang="zh-CN" altLang="en-US" dirty="0"/>
-              <a:t>：</a:t>
-            </a:r>
-            <a:r>
-              <a:rPr lang="en-US" altLang="zh-CN" dirty="0"/>
-              <a:t> </a:t>
-            </a:r>
-            <a:r>
-              <a:rPr lang="zh-CN" altLang="en-US" dirty="0"/>
-              <a:t>使用的开发语言和开发环境</a:t>
-            </a:r>
-          </a:p>
-          <a:p>
-            <a:r>
-              <a:rPr lang="en-US" dirty="0" err="1"/>
-              <a:t>Theano</a:t>
-            </a:r>
-            <a:r>
-              <a:rPr lang="zh-CN" altLang="en-US" dirty="0"/>
-              <a:t>：</a:t>
-            </a:r>
-            <a:r>
-              <a:rPr lang="en-US" dirty="0"/>
-              <a:t> </a:t>
-            </a:r>
-            <a:r>
-              <a:rPr lang="zh-CN" altLang="en-US" dirty="0"/>
-              <a:t>主要的建模语言</a:t>
-            </a:r>
-            <a:endParaRPr lang="en-US" altLang="zh-CN" dirty="0"/>
-          </a:p>
-          <a:p>
-            <a:r>
-              <a:rPr lang="zh-CN" altLang="en-US" dirty="0"/>
-              <a:t>其他：</a:t>
-            </a:r>
-            <a:r>
-              <a:rPr lang="en-US" altLang="zh-CN" dirty="0"/>
-              <a:t>bash script </a:t>
-            </a:r>
-            <a:r>
-              <a:rPr lang="zh-CN" altLang="en-US" dirty="0"/>
-              <a:t>和</a:t>
-            </a:r>
-            <a:r>
-              <a:rPr lang="en-US" altLang="zh-CN" dirty="0" err="1"/>
-              <a:t>cuda</a:t>
-            </a:r>
-            <a:endParaRPr lang="en-US" dirty="0"/>
-          </a:p>
-        </p:txBody>
-      </p:sp>
-    </p:spTree>
-    <p:extLst>
-      <p:ext uri="{BB962C8B-B14F-4D97-AF65-F5344CB8AC3E}">
-        <p14:creationId xmlns:p14="http://schemas.microsoft.com/office/powerpoint/2010/main" val="2328809589"/>
-      </p:ext>
-    </p:extLst>
-  </p:cSld>
-  <p:clrMapOvr>
-    <a:masterClrMapping/>
-  </p:clrMapOvr>
-</p:sld>
-</file>
-
-<file path=ppt/slides/slide25.xml><?xml version="1.0" encoding="utf-8"?>
-<p:sld xmlns:a="http://schemas.openxmlformats.org/drawingml/2006/main" xmlns:r="http://schemas.openxmlformats.org/officeDocument/2006/relationships" xmlns:p="http://schemas.openxmlformats.org/presentationml/2006/main">
-  <p:cSld>
-    <p:spTree>
-      <p:nvGrpSpPr>
-        <p:cNvPr id="1" name=""/>
-        <p:cNvGrpSpPr/>
-        <p:nvPr/>
-      </p:nvGrpSpPr>
-      <p:grpSpPr>
-        <a:xfrm>
-          <a:off x="0" y="0"/>
-          <a:ext cx="0" cy="0"/>
-          <a:chOff x="0" y="0"/>
-          <a:chExt cx="0" cy="0"/>
-        </a:xfrm>
-      </p:grpSpPr>
-      <p:sp>
-        <p:nvSpPr>
-          <p:cNvPr id="2" name="标题 1"/>
-          <p:cNvSpPr>
-            <a:spLocks noGrp="1"/>
-          </p:cNvSpPr>
-          <p:nvPr>
-            <p:ph type="title"/>
-          </p:nvPr>
-        </p:nvSpPr>
-        <p:spPr/>
-        <p:txBody>
-          <a:bodyPr/>
-          <a:lstStyle/>
-          <a:p>
-            <a:r>
-              <a:rPr lang="zh-CN" altLang="en-US" dirty="0"/>
-              <a:t>时间安排</a:t>
-            </a:r>
-            <a:endParaRPr lang="en-US" dirty="0"/>
-          </a:p>
-        </p:txBody>
-      </p:sp>
-      <p:sp>
-        <p:nvSpPr>
-          <p:cNvPr id="3" name="内容占位符 2"/>
-          <p:cNvSpPr>
-            <a:spLocks noGrp="1"/>
-          </p:cNvSpPr>
-          <p:nvPr>
-            <p:ph idx="1"/>
-          </p:nvPr>
-        </p:nvSpPr>
-        <p:spPr/>
-        <p:txBody>
-          <a:bodyPr/>
-          <a:lstStyle/>
-          <a:p>
             <a:r>
               <a:rPr lang="en-US" altLang="zh-CN" dirty="0"/>
               <a:t>2016 </a:t>
@@ -12184,8 +11992,8 @@
           </a:p>
           <a:p>
             <a:r>
-              <a:rPr lang="en-US" altLang="zh-CN" dirty="0"/>
-              <a:t>2015 </a:t>
+              <a:rPr lang="en-US" altLang="zh-CN" dirty="0" smtClean="0"/>
+              <a:t>2017 </a:t>
             </a:r>
             <a:r>
               <a:rPr lang="zh-CN" altLang="en-US" dirty="0"/>
@@ -12200,8 +12008,8 @@
               <a:t>月</a:t>
             </a:r>
             <a:r>
-              <a:rPr lang="en-US" altLang="zh-CN" dirty="0"/>
-              <a:t>2015 </a:t>
+              <a:rPr lang="en-US" altLang="zh-CN" dirty="0" smtClean="0"/>
+              <a:t>2017 </a:t>
             </a:r>
             <a:r>
               <a:rPr lang="zh-CN" altLang="en-US" dirty="0"/>
@@ -12230,8 +12038,8 @@
           </a:p>
           <a:p>
             <a:r>
-              <a:rPr lang="en-US" altLang="zh-CN" dirty="0"/>
-              <a:t>2015 </a:t>
+              <a:rPr lang="en-US" altLang="zh-CN" dirty="0" smtClean="0"/>
+              <a:t>2017 </a:t>
             </a:r>
             <a:r>
               <a:rPr lang="zh-CN" altLang="en-US" dirty="0"/>
@@ -12246,16 +12054,16 @@
               <a:t>月</a:t>
             </a:r>
             <a:r>
-              <a:rPr lang="en-US" altLang="zh-CN" dirty="0"/>
-              <a:t>2015 </a:t>
-            </a:r>
-            <a:r>
-              <a:rPr lang="zh-CN" altLang="en-US" dirty="0"/>
+              <a:rPr lang="en-US" altLang="zh-CN" dirty="0" smtClean="0"/>
+              <a:t>2018 </a:t>
+            </a:r>
+            <a:r>
+              <a:rPr lang="zh-CN" altLang="en-US" dirty="0" smtClean="0"/>
               <a:t>年</a:t>
             </a:r>
             <a:r>
-              <a:rPr lang="en-US" altLang="zh-CN" dirty="0"/>
-              <a:t>12 </a:t>
+              <a:rPr lang="en-US" altLang="zh-CN" dirty="0" smtClean="0"/>
+              <a:t>3 </a:t>
             </a:r>
             <a:r>
               <a:rPr lang="zh-CN" altLang="en-US" dirty="0"/>
@@ -12290,7 +12098,7 @@
 </p:sld>
 </file>
 
-<file path=ppt/slides/slide26.xml><?xml version="1.0" encoding="utf-8"?>
+<file path=ppt/slides/slide24.xml><?xml version="1.0" encoding="utf-8"?>
 <p:sld xmlns:a="http://schemas.openxmlformats.org/drawingml/2006/main" xmlns:r="http://schemas.openxmlformats.org/officeDocument/2006/relationships" xmlns:p="http://schemas.openxmlformats.org/presentationml/2006/main">
   <p:cSld>
     <p:spTree>
@@ -12556,6 +12364,13 @@
   <p:clrMapOvr>
     <a:masterClrMapping/>
   </p:clrMapOvr>
+  <p:timing>
+    <p:tnLst>
+      <p:par>
+        <p:cTn id="1" dur="indefinite" restart="never" nodeType="tmRoot"/>
+      </p:par>
+    </p:tnLst>
+  </p:timing>
 </p:sld>
 </file>
 
@@ -12592,8 +12407,8 @@
           <a:lstStyle/>
           <a:p>
             <a:r>
-              <a:rPr lang="en-US" altLang="zh-CN" dirty="0"/>
-              <a:t>reference</a:t>
+              <a:rPr lang="zh-CN" altLang="en-US" dirty="0" smtClean="0"/>
+              <a:t>部分参考文献</a:t>
             </a:r>
             <a:endParaRPr lang="zh-CN" altLang="en-US" dirty="0"/>
           </a:p>
@@ -12807,6 +12622,13 @@
   <p:clrMapOvr>
     <a:masterClrMapping/>
   </p:clrMapOvr>
+  <p:timing>
+    <p:tnLst>
+      <p:par>
+        <p:cTn id="1" dur="indefinite" restart="never" nodeType="tmRoot"/>
+      </p:par>
+    </p:tnLst>
+  </p:timing>
 </p:sld>
 </file>
 
@@ -12843,8 +12665,8 @@
           <a:lstStyle/>
           <a:p>
             <a:r>
-              <a:rPr lang="en-US" altLang="zh-CN" dirty="0"/>
-              <a:t>Optimizations</a:t>
+              <a:rPr lang="zh-CN" altLang="en-US" b="1" dirty="0"/>
+              <a:t>国内外研究现状及发展动态</a:t>
             </a:r>
             <a:endParaRPr lang="zh-CN" altLang="en-US" dirty="0"/>
           </a:p>
@@ -12863,20 +12685,29 @@
         <p:spPr/>
         <p:txBody>
           <a:bodyPr>
-            <a:normAutofit fontScale="92500" lnSpcReduction="10000"/>
+            <a:normAutofit lnSpcReduction="10000"/>
           </a:bodyPr>
           <a:lstStyle/>
           <a:p>
             <a:r>
+              <a:rPr lang="zh-CN" altLang="en-US" dirty="0"/>
+              <a:t>运行</a:t>
+            </a:r>
+            <a:r>
+              <a:rPr lang="zh-CN" altLang="en-US" dirty="0" smtClean="0"/>
+              <a:t>方案</a:t>
+            </a:r>
+            <a:endParaRPr lang="en-US" altLang="zh-CN" dirty="0" smtClean="0"/>
+          </a:p>
+          <a:p>
+            <a:pPr lvl="1"/>
+            <a:r>
+              <a:rPr lang="en-US" altLang="zh-CN" dirty="0" smtClean="0"/>
+              <a:t>CPU </a:t>
+            </a:r>
+            <a:r>
               <a:rPr lang="en-US" altLang="zh-CN" dirty="0"/>
-              <a:t>Devices</a:t>
-            </a:r>
-          </a:p>
-          <a:p>
-            <a:pPr lvl="1"/>
-            <a:r>
-              <a:rPr lang="en-US" altLang="zh-CN" dirty="0"/>
-              <a:t>CPU or GPU</a:t>
+              <a:t>or GPU</a:t>
             </a:r>
           </a:p>
           <a:p>
@@ -12896,8 +12727,71 @@
                   </a:schemeClr>
                 </a:solidFill>
               </a:rPr>
-              <a:t>1. spherical family </a:t>
-            </a:r>
+              <a:t>1. spherical </a:t>
+            </a:r>
+            <a:r>
+              <a:rPr lang="en-US" altLang="zh-CN" dirty="0" smtClean="0">
+                <a:solidFill>
+                  <a:schemeClr val="tx1">
+                    <a:lumMod val="95000"/>
+                    <a:lumOff val="5000"/>
+                  </a:schemeClr>
+                </a:solidFill>
+              </a:rPr>
+              <a:t>family </a:t>
+            </a:r>
+            <a:r>
+              <a:rPr lang="en-US" altLang="zh-CN" dirty="0" smtClean="0">
+                <a:solidFill>
+                  <a:schemeClr val="tx1">
+                    <a:lumMod val="95000"/>
+                    <a:lumOff val="5000"/>
+                  </a:schemeClr>
+                </a:solidFill>
+              </a:rPr>
+              <a:t>(</a:t>
+            </a:r>
+            <a:r>
+              <a:rPr lang="zh-CN" altLang="en-US" dirty="0" smtClean="0">
+                <a:solidFill>
+                  <a:schemeClr val="tx1">
+                    <a:lumMod val="95000"/>
+                    <a:lumOff val="5000"/>
+                  </a:schemeClr>
+                </a:solidFill>
+              </a:rPr>
+              <a:t>曲面函数族</a:t>
+            </a:r>
+            <a:r>
+              <a:rPr lang="en-US" altLang="zh-CN" dirty="0" smtClean="0">
+                <a:solidFill>
+                  <a:schemeClr val="tx1">
+                    <a:lumMod val="95000"/>
+                    <a:lumOff val="5000"/>
+                  </a:schemeClr>
+                </a:solidFill>
+              </a:rPr>
+              <a:t>)</a:t>
+            </a:r>
+            <a:r>
+              <a:rPr lang="en-US" altLang="zh-CN" dirty="0" smtClean="0">
+                <a:solidFill>
+                  <a:schemeClr val="tx1">
+                    <a:lumMod val="95000"/>
+                    <a:lumOff val="5000"/>
+                  </a:schemeClr>
+                </a:solidFill>
+              </a:rPr>
+              <a:t> </a:t>
+            </a:r>
+            <a:endParaRPr lang="en-US" altLang="zh-CN" dirty="0">
+              <a:solidFill>
+                <a:schemeClr val="tx1">
+                  <a:lumMod val="95000"/>
+                  <a:lumOff val="5000"/>
+                </a:schemeClr>
+              </a:solidFill>
+            </a:endParaRPr>
           </a:p>
           <a:p>
             <a:pPr lvl="1"/>
@@ -13088,6 +12982,13 @@
   <p:clrMapOvr>
     <a:masterClrMapping/>
   </p:clrMapOvr>
+  <p:timing>
+    <p:tnLst>
+      <p:par>
+        <p:cTn id="1" dur="indefinite" restart="never" nodeType="tmRoot"/>
+      </p:par>
+    </p:tnLst>
+  </p:timing>
 </p:sld>
 </file>
 
@@ -13124,8 +13025,20 @@
           <a:lstStyle/>
           <a:p>
             <a:r>
-              <a:rPr lang="en-US" altLang="zh-CN" dirty="0"/>
-              <a:t>What can be accelerate on GPU?</a:t>
+              <a:rPr lang="en-US" altLang="zh-CN" dirty="0" smtClean="0"/>
+              <a:t>GPU</a:t>
+            </a:r>
+            <a:r>
+              <a:rPr lang="zh-CN" altLang="en-US" dirty="0" smtClean="0"/>
+              <a:t>和</a:t>
+            </a:r>
+            <a:r>
+              <a:rPr lang="en-US" altLang="zh-CN" dirty="0" smtClean="0"/>
+              <a:t>CPU</a:t>
+            </a:r>
+            <a:r>
+              <a:rPr lang="zh-CN" altLang="en-US" dirty="0" smtClean="0"/>
+              <a:t>性能对比</a:t>
             </a:r>
             <a:endParaRPr lang="zh-CN" altLang="en-US" dirty="0"/>
           </a:p>
@@ -13155,14 +13068,14 @@
                 <a:gridCol w="4064000">
                   <a:extLst>
                     <a:ext uri="{9D8B030D-6E8A-4147-A177-3AD203B41FA5}">
-                      <a16:colId xmlns:a16="http://schemas.microsoft.com/office/drawing/2014/main" val="3561530291"/>
+                      <a16:colId xmlns:a16="http://schemas.microsoft.com/office/drawing/2014/main" xmlns="" val="3561530291"/>
                     </a:ext>
                   </a:extLst>
                 </a:gridCol>
                 <a:gridCol w="4064000">
                   <a:extLst>
                     <a:ext uri="{9D8B030D-6E8A-4147-A177-3AD203B41FA5}">
-                      <a16:colId xmlns:a16="http://schemas.microsoft.com/office/drawing/2014/main" val="2403621291"/>
+                      <a16:colId xmlns:a16="http://schemas.microsoft.com/office/drawing/2014/main" xmlns="" val="2403621291"/>
                     </a:ext>
                   </a:extLst>
                 </a:gridCol>
@@ -13197,7 +13110,7 @@
                 </a:tc>
                 <a:extLst>
                   <a:ext uri="{0D108BD9-81ED-4DB2-BD59-A6C34878D82A}">
-                    <a16:rowId xmlns:a16="http://schemas.microsoft.com/office/drawing/2014/main" val="1111187277"/>
+                    <a16:rowId xmlns:a16="http://schemas.microsoft.com/office/drawing/2014/main" xmlns="" val="1111187277"/>
                   </a:ext>
                 </a:extLst>
               </a:tr>
@@ -13294,7 +13207,7 @@
                 </a:tc>
                 <a:extLst>
                   <a:ext uri="{0D108BD9-81ED-4DB2-BD59-A6C34878D82A}">
-                    <a16:rowId xmlns:a16="http://schemas.microsoft.com/office/drawing/2014/main" val="3915489178"/>
+                    <a16:rowId xmlns:a16="http://schemas.microsoft.com/office/drawing/2014/main" xmlns="" val="3915489178"/>
                   </a:ext>
                 </a:extLst>
               </a:tr>
@@ -13391,7 +13304,7 @@
                 </a:tc>
                 <a:extLst>
                   <a:ext uri="{0D108BD9-81ED-4DB2-BD59-A6C34878D82A}">
-                    <a16:rowId xmlns:a16="http://schemas.microsoft.com/office/drawing/2014/main" val="1996205689"/>
+                    <a16:rowId xmlns:a16="http://schemas.microsoft.com/office/drawing/2014/main" xmlns="" val="1996205689"/>
                   </a:ext>
                 </a:extLst>
               </a:tr>
@@ -13425,7 +13338,7 @@
                 </a:tc>
                 <a:extLst>
                   <a:ext uri="{0D108BD9-81ED-4DB2-BD59-A6C34878D82A}">
-                    <a16:rowId xmlns:a16="http://schemas.microsoft.com/office/drawing/2014/main" val="1101100361"/>
+                    <a16:rowId xmlns:a16="http://schemas.microsoft.com/office/drawing/2014/main" xmlns="" val="1101100361"/>
                   </a:ext>
                 </a:extLst>
               </a:tr>
@@ -13467,7 +13380,7 @@
                 </a:tc>
                 <a:extLst>
                   <a:ext uri="{0D108BD9-81ED-4DB2-BD59-A6C34878D82A}">
-                    <a16:rowId xmlns:a16="http://schemas.microsoft.com/office/drawing/2014/main" val="1855678403"/>
+                    <a16:rowId xmlns:a16="http://schemas.microsoft.com/office/drawing/2014/main" xmlns="" val="1855678403"/>
                   </a:ext>
                 </a:extLst>
               </a:tr>
@@ -13485,6 +13398,13 @@
   <p:clrMapOvr>
     <a:masterClrMapping/>
   </p:clrMapOvr>
+  <p:timing>
+    <p:tnLst>
+      <p:par>
+        <p:cTn id="1" dur="indefinite" restart="never" nodeType="tmRoot"/>
+      </p:par>
+    </p:tnLst>
+  </p:timing>
 </p:sld>
 </file>
 
@@ -13521,14 +13441,17 @@
           <a:lstStyle/>
           <a:p>
             <a:r>
-              <a:rPr lang="en-US" altLang="zh-CN" dirty="0" err="1"/>
-              <a:t>Nvidia</a:t>
-            </a:r>
-            <a:r>
-              <a:rPr lang="en-US" altLang="zh-CN" dirty="0"/>
-              <a:t> or AMD</a:t>
-            </a:r>
-            <a:endParaRPr lang="zh-CN" altLang="en-US" dirty="0"/>
+              <a:rPr lang="zh-CN" altLang="en-US" b="1" dirty="0"/>
+              <a:t>国内外研究现状及发展动态</a:t>
+            </a:r>
+            <a:endParaRPr lang="zh-CN" altLang="en-US" dirty="0">
+              <a:solidFill>
+                <a:schemeClr val="tx1">
+                  <a:lumMod val="95000"/>
+                  <a:lumOff val="5000"/>
+                </a:schemeClr>
+              </a:solidFill>
+            </a:endParaRPr>
           </a:p>
         </p:txBody>
       </p:sp>
@@ -13542,214 +13465,229 @@
             <p:ph idx="1"/>
           </p:nvPr>
         </p:nvSpPr>
-        <p:spPr>
-          <a:xfrm>
-            <a:off x="2293937" y="3631184"/>
-            <a:ext cx="8915400" cy="1502195"/>
-          </a:xfrm>
-        </p:spPr>
-        <p:txBody>
-          <a:bodyPr/>
+        <p:spPr/>
+        <p:txBody>
+          <a:bodyPr>
+            <a:normAutofit lnSpcReduction="10000"/>
+          </a:bodyPr>
           <a:lstStyle/>
           <a:p>
-            <a:pPr marL="457200" lvl="1" indent="0">
-              <a:buNone/>
-            </a:pPr>
-            <a:r>
-              <a:rPr lang="zh-CN" altLang="en-US" dirty="0"/>
-              <a:t>是由苹果（</a:t>
-            </a:r>
-            <a:r>
-              <a:rPr lang="en-US" altLang="zh-CN" dirty="0"/>
-              <a:t>Apple</a:t>
-            </a:r>
-            <a:r>
-              <a:rPr lang="zh-CN" altLang="en-US" dirty="0"/>
-              <a:t>）公司发起，业界众多著名厂商共同制作的面向异构系统通用目的并行编程的开放式、免费标准，也是一个统一的编程环境。</a:t>
-            </a:r>
-            <a:endParaRPr lang="en-US" altLang="zh-CN" dirty="0"/>
-          </a:p>
-          <a:p>
-            <a:pPr marL="457200" lvl="1" indent="0">
-              <a:buNone/>
-            </a:pPr>
-            <a:r>
-              <a:rPr lang="en-US" altLang="zh-CN" dirty="0" err="1"/>
-              <a:t>Tensorflow</a:t>
-            </a:r>
-            <a:r>
-              <a:rPr lang="en-US" altLang="zh-CN" dirty="0"/>
-              <a:t> starts support </a:t>
-            </a:r>
-            <a:r>
-              <a:rPr lang="en-US" altLang="zh-CN" dirty="0" err="1"/>
-              <a:t>openCL</a:t>
-            </a:r>
-            <a:r>
-              <a:rPr lang="en-US" altLang="zh-CN" dirty="0"/>
-              <a:t>.</a:t>
-            </a:r>
-            <a:endParaRPr lang="zh-CN" altLang="en-US" dirty="0"/>
-          </a:p>
-        </p:txBody>
-      </p:sp>
-      <p:graphicFrame>
-        <p:nvGraphicFramePr>
-          <p:cNvPr id="4" name="表格 3"/>
-          <p:cNvGraphicFramePr>
-            <a:graphicFrameLocks noGrp="1"/>
-          </p:cNvGraphicFramePr>
-          <p:nvPr>
-            <p:extLst>
-              <p:ext uri="{D42A27DB-BD31-4B8C-83A1-F6EECF244321}">
-                <p14:modId xmlns:p14="http://schemas.microsoft.com/office/powerpoint/2010/main" val="3681740149"/>
-              </p:ext>
-            </p:extLst>
-          </p:nvPr>
-        </p:nvGraphicFramePr>
-        <p:xfrm>
-          <a:off x="2592925" y="2397252"/>
-          <a:ext cx="8128000" cy="1112520"/>
-        </p:xfrm>
-        <a:graphic>
-          <a:graphicData uri="http://schemas.openxmlformats.org/drawingml/2006/table">
-            <a:tbl>
-              <a:tblPr firstRow="1" bandRow="1">
-                <a:tableStyleId>{5C22544A-7EE6-4342-B048-85BDC9FD1C3A}</a:tableStyleId>
-              </a:tblPr>
-              <a:tblGrid>
-                <a:gridCol w="4064000">
-                  <a:extLst>
-                    <a:ext uri="{9D8B030D-6E8A-4147-A177-3AD203B41FA5}">
-                      <a16:colId xmlns:a16="http://schemas.microsoft.com/office/drawing/2014/main" val="2707777748"/>
-                    </a:ext>
-                  </a:extLst>
-                </a:gridCol>
-                <a:gridCol w="4064000">
-                  <a:extLst>
-                    <a:ext uri="{9D8B030D-6E8A-4147-A177-3AD203B41FA5}">
-                      <a16:colId xmlns:a16="http://schemas.microsoft.com/office/drawing/2014/main" val="4274897174"/>
-                    </a:ext>
-                  </a:extLst>
-                </a:gridCol>
-              </a:tblGrid>
-              <a:tr h="370840">
-                <a:tc>
-                  <a:txBody>
-                    <a:bodyPr/>
-                    <a:lstStyle/>
-                    <a:p>
-                      <a:r>
-                        <a:rPr lang="en-US" altLang="zh-CN" dirty="0"/>
-                        <a:t>Architecture</a:t>
-                      </a:r>
-                      <a:endParaRPr lang="zh-CN" altLang="en-US" dirty="0"/>
-                    </a:p>
-                  </a:txBody>
-                  <a:tcPr/>
-                </a:tc>
-                <a:tc>
-                  <a:txBody>
-                    <a:bodyPr/>
-                    <a:lstStyle/>
-                    <a:p>
-                      <a:r>
-                        <a:rPr lang="en-US" altLang="zh-CN" dirty="0"/>
-                        <a:t>Review</a:t>
-                      </a:r>
-                      <a:endParaRPr lang="zh-CN" altLang="en-US" dirty="0"/>
-                    </a:p>
-                  </a:txBody>
-                  <a:tcPr/>
-                </a:tc>
-                <a:extLst>
-                  <a:ext uri="{0D108BD9-81ED-4DB2-BD59-A6C34878D82A}">
-                    <a16:rowId xmlns:a16="http://schemas.microsoft.com/office/drawing/2014/main" val="931920619"/>
-                  </a:ext>
-                </a:extLst>
-              </a:tr>
-              <a:tr h="370840">
-                <a:tc>
-                  <a:txBody>
-                    <a:bodyPr/>
-                    <a:lstStyle/>
-                    <a:p>
-                      <a:r>
-                        <a:rPr lang="en-US" altLang="zh-CN" dirty="0" err="1"/>
-                        <a:t>Nvidia</a:t>
-                      </a:r>
-                      <a:r>
-                        <a:rPr lang="en-US" altLang="zh-CN" dirty="0"/>
-                        <a:t> CUDA</a:t>
-                      </a:r>
-                      <a:endParaRPr lang="zh-CN" altLang="en-US" dirty="0"/>
-                    </a:p>
-                  </a:txBody>
-                  <a:tcPr/>
-                </a:tc>
-                <a:tc>
-                  <a:txBody>
-                    <a:bodyPr/>
-                    <a:lstStyle/>
-                    <a:p>
-                      <a:r>
-                        <a:rPr lang="en-US" altLang="zh-CN" dirty="0"/>
-                        <a:t>Good</a:t>
-                      </a:r>
-                      <a:endParaRPr lang="zh-CN" altLang="en-US" dirty="0"/>
-                    </a:p>
-                  </a:txBody>
-                  <a:tcPr/>
-                </a:tc>
-                <a:extLst>
-                  <a:ext uri="{0D108BD9-81ED-4DB2-BD59-A6C34878D82A}">
-                    <a16:rowId xmlns:a16="http://schemas.microsoft.com/office/drawing/2014/main" val="3041971869"/>
-                  </a:ext>
-                </a:extLst>
-              </a:tr>
-              <a:tr h="370840">
-                <a:tc>
-                  <a:txBody>
-                    <a:bodyPr/>
-                    <a:lstStyle/>
-                    <a:p>
-                      <a:r>
-                        <a:rPr lang="en-US" altLang="zh-CN" dirty="0"/>
-                        <a:t>AMD OpenCL</a:t>
-                      </a:r>
-                      <a:endParaRPr lang="zh-CN" altLang="en-US" dirty="0"/>
-                    </a:p>
-                  </a:txBody>
-                  <a:tcPr/>
-                </a:tc>
-                <a:tc>
-                  <a:txBody>
-                    <a:bodyPr/>
-                    <a:lstStyle/>
-                    <a:p>
-                      <a:r>
-                        <a:rPr lang="en-US" altLang="zh-CN" dirty="0"/>
-                        <a:t>promising</a:t>
-                      </a:r>
-                      <a:endParaRPr lang="zh-CN" altLang="en-US" dirty="0"/>
-                    </a:p>
-                  </a:txBody>
-                  <a:tcPr/>
-                </a:tc>
-                <a:extLst>
-                  <a:ext uri="{0D108BD9-81ED-4DB2-BD59-A6C34878D82A}">
-                    <a16:rowId xmlns:a16="http://schemas.microsoft.com/office/drawing/2014/main" val="2525992041"/>
-                  </a:ext>
-                </a:extLst>
-              </a:tr>
-            </a:tbl>
-          </a:graphicData>
-        </a:graphic>
-      </p:graphicFrame>
+            <a:r>
+              <a:rPr lang="en-US" altLang="zh-CN" dirty="0">
+                <a:solidFill>
+                  <a:schemeClr val="tx1">
+                    <a:lumMod val="95000"/>
+                    <a:lumOff val="5000"/>
+                  </a:schemeClr>
+                </a:solidFill>
+              </a:rPr>
+              <a:t>Computational expensive.</a:t>
+            </a:r>
+          </a:p>
+          <a:p>
+            <a:endParaRPr lang="en-US" altLang="zh-CN" dirty="0">
+              <a:solidFill>
+                <a:schemeClr val="tx1">
+                  <a:lumMod val="95000"/>
+                  <a:lumOff val="5000"/>
+                </a:schemeClr>
+              </a:solidFill>
+            </a:endParaRPr>
+          </a:p>
+          <a:p>
+            <a:r>
+              <a:rPr lang="en-US" altLang="zh-CN" dirty="0">
+                <a:solidFill>
+                  <a:schemeClr val="tx1">
+                    <a:lumMod val="95000"/>
+                    <a:lumOff val="5000"/>
+                  </a:schemeClr>
+                </a:solidFill>
+              </a:rPr>
+              <a:t>1. spherical family </a:t>
+            </a:r>
+          </a:p>
+          <a:p>
+            <a:r>
+              <a:rPr lang="en-US" altLang="zh-CN" dirty="0">
+                <a:solidFill>
+                  <a:schemeClr val="tx1">
+                    <a:lumMod val="95000"/>
+                    <a:lumOff val="5000"/>
+                  </a:schemeClr>
+                </a:solidFill>
+              </a:rPr>
+              <a:t>2. sampling estimation.</a:t>
+            </a:r>
+          </a:p>
+          <a:p>
+            <a:pPr lvl="1"/>
+            <a:r>
+              <a:rPr lang="en-US" altLang="zh-CN" dirty="0">
+                <a:solidFill>
+                  <a:schemeClr val="tx1">
+                    <a:lumMod val="95000"/>
+                    <a:lumOff val="5000"/>
+                  </a:schemeClr>
+                </a:solidFill>
+              </a:rPr>
+              <a:t>Noise </a:t>
+            </a:r>
+            <a:r>
+              <a:rPr lang="en-US" altLang="zh-CN" dirty="0" err="1">
+                <a:solidFill>
+                  <a:schemeClr val="tx1">
+                    <a:lumMod val="95000"/>
+                    <a:lumOff val="5000"/>
+                  </a:schemeClr>
+                </a:solidFill>
+              </a:rPr>
+              <a:t>constrastive</a:t>
+            </a:r>
+            <a:r>
+              <a:rPr lang="en-US" altLang="zh-CN" dirty="0">
+                <a:solidFill>
+                  <a:schemeClr val="tx1">
+                    <a:lumMod val="95000"/>
+                    <a:lumOff val="5000"/>
+                  </a:schemeClr>
+                </a:solidFill>
+              </a:rPr>
+              <a:t> estimation</a:t>
+            </a:r>
+          </a:p>
+          <a:p>
+            <a:pPr lvl="1"/>
+            <a:r>
+              <a:rPr lang="en-US" altLang="zh-CN" dirty="0">
+                <a:solidFill>
+                  <a:schemeClr val="tx1">
+                    <a:lumMod val="95000"/>
+                    <a:lumOff val="5000"/>
+                  </a:schemeClr>
+                </a:solidFill>
+              </a:rPr>
+              <a:t>blackout</a:t>
+            </a:r>
+          </a:p>
+          <a:p>
+            <a:r>
+              <a:rPr lang="en-US" altLang="zh-CN" dirty="0">
+                <a:solidFill>
+                  <a:schemeClr val="tx1">
+                    <a:lumMod val="95000"/>
+                    <a:lumOff val="5000"/>
+                  </a:schemeClr>
+                </a:solidFill>
+              </a:rPr>
+              <a:t>3. structured output layer </a:t>
+            </a:r>
+          </a:p>
+          <a:p>
+            <a:pPr lvl="1"/>
+            <a:r>
+              <a:rPr lang="en-US" altLang="zh-CN" dirty="0">
+                <a:solidFill>
+                  <a:schemeClr val="tx1">
+                    <a:lumMod val="95000"/>
+                    <a:lumOff val="5000"/>
+                  </a:schemeClr>
+                </a:solidFill>
+              </a:rPr>
+              <a:t>Class-based hierarchical </a:t>
+            </a:r>
+            <a:r>
+              <a:rPr lang="en-US" altLang="zh-CN" dirty="0" err="1">
+                <a:solidFill>
+                  <a:schemeClr val="tx1">
+                    <a:lumMod val="95000"/>
+                    <a:lumOff val="5000"/>
+                  </a:schemeClr>
+                </a:solidFill>
+              </a:rPr>
+              <a:t>softmax</a:t>
+            </a:r>
+            <a:endParaRPr lang="en-US" altLang="zh-CN" dirty="0">
+              <a:solidFill>
+                <a:schemeClr val="tx1">
+                  <a:lumMod val="95000"/>
+                  <a:lumOff val="5000"/>
+                </a:schemeClr>
+              </a:solidFill>
+            </a:endParaRPr>
+          </a:p>
+          <a:p>
+            <a:pPr lvl="1"/>
+            <a:r>
+              <a:rPr lang="en-US" altLang="zh-CN" dirty="0">
+                <a:solidFill>
+                  <a:schemeClr val="tx1">
+                    <a:lumMod val="95000"/>
+                    <a:lumOff val="5000"/>
+                  </a:schemeClr>
+                </a:solidFill>
+              </a:rPr>
+              <a:t>Tree-based hierarchical </a:t>
+            </a:r>
+            <a:r>
+              <a:rPr lang="en-US" altLang="zh-CN" dirty="0" err="1">
+                <a:solidFill>
+                  <a:schemeClr val="tx1">
+                    <a:lumMod val="95000"/>
+                    <a:lumOff val="5000"/>
+                  </a:schemeClr>
+                </a:solidFill>
+              </a:rPr>
+              <a:t>softmax</a:t>
+            </a:r>
+            <a:endParaRPr lang="en-US" altLang="zh-CN" dirty="0">
+              <a:solidFill>
+                <a:schemeClr val="tx1">
+                  <a:lumMod val="95000"/>
+                  <a:lumOff val="5000"/>
+                </a:schemeClr>
+              </a:solidFill>
+            </a:endParaRPr>
+          </a:p>
+          <a:p>
+            <a:pPr lvl="1"/>
+            <a:r>
+              <a:rPr lang="en-US" altLang="zh-CN" dirty="0">
+                <a:solidFill>
+                  <a:schemeClr val="tx1">
+                    <a:lumMod val="95000"/>
+                    <a:lumOff val="5000"/>
+                  </a:schemeClr>
+                </a:solidFill>
+              </a:rPr>
+              <a:t>Adaptive </a:t>
+            </a:r>
+            <a:r>
+              <a:rPr lang="en-US" altLang="zh-CN" dirty="0" err="1">
+                <a:solidFill>
+                  <a:schemeClr val="tx1">
+                    <a:lumMod val="95000"/>
+                    <a:lumOff val="5000"/>
+                  </a:schemeClr>
+                </a:solidFill>
+              </a:rPr>
+              <a:t>softmax</a:t>
+            </a:r>
+            <a:endParaRPr lang="en-US" altLang="zh-CN" dirty="0">
+              <a:solidFill>
+                <a:schemeClr val="tx1">
+                  <a:lumMod val="95000"/>
+                  <a:lumOff val="5000"/>
+                </a:schemeClr>
+              </a:solidFill>
+            </a:endParaRPr>
+          </a:p>
+        </p:txBody>
+      </p:sp>
     </p:spTree>
     <p:extLst>
       <p:ext uri="{BB962C8B-B14F-4D97-AF65-F5344CB8AC3E}">
-        <p14:creationId xmlns:p14="http://schemas.microsoft.com/office/powerpoint/2010/main" val="4203701069"/>
+        <p14:creationId xmlns:p14="http://schemas.microsoft.com/office/powerpoint/2010/main" val="1722761845"/>
       </p:ext>
     </p:extLst>
   </p:cSld>
@@ -13778,7 +13716,7 @@
       </p:grpSpPr>
       <p:sp>
         <p:nvSpPr>
-          <p:cNvPr id="2" name="标题 1"/>
+          <p:cNvPr id="4" name="标题 3"/>
           <p:cNvSpPr>
             <a:spLocks noGrp="1"/>
           </p:cNvSpPr>
@@ -13786,60 +13724,141 @@
             <p:ph type="title"/>
           </p:nvPr>
         </p:nvSpPr>
-        <p:spPr/>
-        <p:txBody>
-          <a:bodyPr/>
-          <a:lstStyle/>
-          <a:p>
-            <a:r>
-              <a:rPr lang="en-US" altLang="zh-CN" dirty="0"/>
-              <a:t>Evaluation metrics</a:t>
-            </a:r>
-            <a:endParaRPr lang="zh-CN" altLang="en-US" dirty="0"/>
-          </a:p>
-        </p:txBody>
-      </p:sp>
-      <p:sp>
-        <p:nvSpPr>
-          <p:cNvPr id="3" name="内容占位符 2"/>
-          <p:cNvSpPr>
-            <a:spLocks noGrp="1"/>
-          </p:cNvSpPr>
-          <p:nvPr>
-            <p:ph idx="1"/>
-          </p:nvPr>
-        </p:nvSpPr>
-        <p:spPr/>
-        <p:txBody>
-          <a:bodyPr>
+        <p:spPr>
+          <a:xfrm>
+            <a:off x="2522537" y="2061329"/>
+            <a:ext cx="8915399" cy="1468800"/>
+          </a:xfrm>
+        </p:spPr>
+        <p:txBody>
+          <a:bodyPr vert="horz" lIns="91440" tIns="45720" rIns="91440" bIns="45720" rtlCol="0" anchor="ctr">
             <a:normAutofit/>
           </a:bodyPr>
           <a:lstStyle/>
           <a:p>
-            <a:r>
-              <a:rPr lang="en-US" altLang="zh-CN" sz="2400" dirty="0"/>
-              <a:t>Perplexity.</a:t>
-            </a:r>
-          </a:p>
-          <a:p>
-            <a:r>
-              <a:rPr lang="en-US" altLang="zh-CN" sz="2400" dirty="0"/>
-              <a:t>Computational complexity.</a:t>
-            </a:r>
-          </a:p>
-          <a:p>
-            <a:r>
-              <a:rPr lang="en-US" altLang="zh-CN" sz="2400" dirty="0"/>
-              <a:t>Parameter to train.</a:t>
-            </a:r>
-            <a:endParaRPr lang="zh-CN" altLang="en-US" sz="2400" dirty="0"/>
+            <a:pPr>
+              <a:spcBef>
+                <a:spcPts val="1000"/>
+              </a:spcBef>
+              <a:buClr>
+                <a:schemeClr val="accent1"/>
+              </a:buClr>
+              <a:buFont typeface="Wingdings 3" charset="2"/>
+            </a:pPr>
+            <a:r>
+              <a:rPr lang="en-US" altLang="zh-CN" dirty="0">
+                <a:solidFill>
+                  <a:schemeClr val="bg1">
+                    <a:lumMod val="50000"/>
+                  </a:schemeClr>
+                </a:solidFill>
+                <a:latin typeface="+mn-lt"/>
+                <a:ea typeface="+mn-ea"/>
+                <a:cs typeface="+mn-cs"/>
+              </a:rPr>
+              <a:t>1. spherical </a:t>
+            </a:r>
+            <a:r>
+              <a:rPr lang="en-US" altLang="zh-CN" dirty="0" smtClean="0">
+                <a:solidFill>
+                  <a:schemeClr val="bg1">
+                    <a:lumMod val="50000"/>
+                  </a:schemeClr>
+                </a:solidFill>
+                <a:latin typeface="+mn-lt"/>
+                <a:ea typeface="+mn-ea"/>
+                <a:cs typeface="+mn-cs"/>
+              </a:rPr>
+              <a:t>family</a:t>
+            </a:r>
+            <a:r>
+              <a:rPr lang="en-US" altLang="zh-CN" dirty="0" smtClean="0">
+                <a:solidFill>
+                  <a:schemeClr val="bg1">
+                    <a:lumMod val="50000"/>
+                  </a:schemeClr>
+                </a:solidFill>
+                <a:latin typeface="+mn-lt"/>
+                <a:ea typeface="+mn-ea"/>
+                <a:cs typeface="+mn-cs"/>
+              </a:rPr>
+              <a:t>(</a:t>
+            </a:r>
+            <a:r>
+              <a:rPr lang="zh-CN" altLang="en-US" dirty="0" smtClean="0">
+                <a:solidFill>
+                  <a:schemeClr val="bg1">
+                    <a:lumMod val="50000"/>
+                  </a:schemeClr>
+                </a:solidFill>
+                <a:latin typeface="+mn-lt"/>
+                <a:ea typeface="+mn-ea"/>
+                <a:cs typeface="+mn-cs"/>
+              </a:rPr>
+              <a:t>球面函数族</a:t>
+            </a:r>
+            <a:r>
+              <a:rPr lang="en-US" altLang="zh-CN" dirty="0" smtClean="0">
+                <a:solidFill>
+                  <a:schemeClr val="bg1">
+                    <a:lumMod val="50000"/>
+                  </a:schemeClr>
+                </a:solidFill>
+                <a:latin typeface="+mn-lt"/>
+                <a:ea typeface="+mn-ea"/>
+                <a:cs typeface="+mn-cs"/>
+              </a:rPr>
+              <a:t>)</a:t>
+            </a:r>
+            <a:r>
+              <a:rPr lang="en-US" altLang="zh-CN" dirty="0" smtClean="0">
+                <a:solidFill>
+                  <a:schemeClr val="bg1">
+                    <a:lumMod val="50000"/>
+                  </a:schemeClr>
+                </a:solidFill>
+                <a:latin typeface="+mn-lt"/>
+                <a:ea typeface="+mn-ea"/>
+                <a:cs typeface="+mn-cs"/>
+              </a:rPr>
+              <a:t> </a:t>
+            </a:r>
+            <a:endParaRPr lang="zh-CN" altLang="en-US" dirty="0">
+              <a:solidFill>
+                <a:schemeClr val="bg1">
+                  <a:lumMod val="50000"/>
+                </a:schemeClr>
+              </a:solidFill>
+              <a:latin typeface="+mn-lt"/>
+              <a:ea typeface="+mn-ea"/>
+              <a:cs typeface="+mn-cs"/>
+            </a:endParaRPr>
+          </a:p>
+        </p:txBody>
+      </p:sp>
+      <p:sp>
+        <p:nvSpPr>
+          <p:cNvPr id="5" name="文本占位符 4"/>
+          <p:cNvSpPr>
+            <a:spLocks noGrp="1"/>
+          </p:cNvSpPr>
+          <p:nvPr>
+            <p:ph type="body" idx="1"/>
+          </p:nvPr>
+        </p:nvSpPr>
+        <p:spPr/>
+        <p:txBody>
+          <a:bodyPr/>
+          <a:lstStyle/>
+          <a:p>
+            <a:endParaRPr lang="zh-CN" altLang="en-US"/>
           </a:p>
         </p:txBody>
       </p:sp>
     </p:spTree>
     <p:extLst>
       <p:ext uri="{BB962C8B-B14F-4D97-AF65-F5344CB8AC3E}">
-        <p14:creationId xmlns:p14="http://schemas.microsoft.com/office/powerpoint/2010/main" val="2973426619"/>
+        <p14:creationId xmlns:p14="http://schemas.microsoft.com/office/powerpoint/2010/main" val="2048030651"/>
       </p:ext>
     </p:extLst>
   </p:cSld>
@@ -13882,24 +13901,10 @@
           <a:lstStyle/>
           <a:p>
             <a:r>
-              <a:rPr lang="en-US" altLang="zh-CN" dirty="0">
-                <a:solidFill>
-                  <a:schemeClr val="tx1">
-                    <a:lumMod val="95000"/>
-                    <a:lumOff val="5000"/>
-                  </a:schemeClr>
-                </a:solidFill>
-              </a:rPr>
-              <a:t>Large vocabulary problem</a:t>
-            </a:r>
-            <a:endParaRPr lang="zh-CN" altLang="en-US" dirty="0">
-              <a:solidFill>
-                <a:schemeClr val="tx1">
-                  <a:lumMod val="95000"/>
-                  <a:lumOff val="5000"/>
-                </a:schemeClr>
-              </a:solidFill>
-            </a:endParaRPr>
+              <a:rPr lang="en-US" altLang="zh-CN" dirty="0"/>
+              <a:t>Taylor Expansion</a:t>
+            </a:r>
+            <a:endParaRPr lang="zh-CN" altLang="en-US" dirty="0"/>
           </a:p>
         </p:txBody>
       </p:sp>
@@ -13913,221 +13918,169 @@
             <p:ph idx="1"/>
           </p:nvPr>
         </p:nvSpPr>
-        <p:spPr/>
+        <p:spPr>
+          <a:xfrm>
+            <a:off x="2589212" y="2133600"/>
+            <a:ext cx="8915400" cy="3276600"/>
+          </a:xfrm>
+        </p:spPr>
         <p:txBody>
           <a:bodyPr>
-            <a:normAutofit lnSpcReduction="10000"/>
+            <a:normAutofit/>
           </a:bodyPr>
           <a:lstStyle/>
           <a:p>
             <a:r>
-              <a:rPr lang="en-US" altLang="zh-CN" dirty="0">
-                <a:solidFill>
-                  <a:schemeClr val="tx1">
-                    <a:lumMod val="95000"/>
-                    <a:lumOff val="5000"/>
-                  </a:schemeClr>
-                </a:solidFill>
+              <a:rPr lang="en-US" altLang="zh-CN" dirty="0"/>
+              <a:t>SOFTMAX.</a:t>
+            </a:r>
+          </a:p>
+          <a:p>
+            <a:endParaRPr lang="en-US" altLang="zh-CN" dirty="0"/>
+          </a:p>
+          <a:p>
+            <a:endParaRPr lang="en-US" altLang="zh-CN" dirty="0"/>
+          </a:p>
+          <a:p>
+            <a:r>
+              <a:rPr lang="en-US" altLang="zh-CN" dirty="0"/>
+              <a:t>SPHERICAL SOFTMAX.</a:t>
+            </a:r>
+          </a:p>
+          <a:p>
+            <a:endParaRPr lang="en-US" altLang="zh-CN" dirty="0"/>
+          </a:p>
+          <a:p>
+            <a:endParaRPr lang="en-US" altLang="zh-CN" dirty="0"/>
+          </a:p>
+          <a:p>
+            <a:r>
+              <a:rPr lang="en-US" altLang="zh-CN" dirty="0"/>
+              <a:t>TAYLOR SOFTMAX.</a:t>
+            </a:r>
+          </a:p>
+          <a:p>
+            <a:endParaRPr lang="zh-CN" altLang="en-US" dirty="0"/>
+          </a:p>
+        </p:txBody>
+      </p:sp>
+      <p:pic>
+        <p:nvPicPr>
+          <p:cNvPr id="4" name="图片 3"/>
+          <p:cNvPicPr>
+            <a:picLocks noChangeAspect="1"/>
+          </p:cNvPicPr>
+          <p:nvPr/>
+        </p:nvPicPr>
+        <p:blipFill>
+          <a:blip r:embed="rId2"/>
+          <a:stretch>
+            <a:fillRect/>
+          </a:stretch>
+        </p:blipFill>
+        <p:spPr>
+          <a:xfrm>
+            <a:off x="5757862" y="3486595"/>
+            <a:ext cx="4638675" cy="1295400"/>
+          </a:xfrm>
+          <a:prstGeom prst="rect">
+            <a:avLst/>
+          </a:prstGeom>
+        </p:spPr>
+      </p:pic>
+      <p:pic>
+        <p:nvPicPr>
+          <p:cNvPr id="5" name="图片 4"/>
+          <p:cNvPicPr>
+            <a:picLocks noChangeAspect="1"/>
+          </p:cNvPicPr>
+          <p:nvPr/>
+        </p:nvPicPr>
+        <p:blipFill>
+          <a:blip r:embed="rId3"/>
+          <a:stretch>
+            <a:fillRect/>
+          </a:stretch>
+        </p:blipFill>
+        <p:spPr>
+          <a:xfrm>
+            <a:off x="5453061" y="5254150"/>
+            <a:ext cx="5248275" cy="1219200"/>
+          </a:xfrm>
+          <a:prstGeom prst="rect">
+            <a:avLst/>
+          </a:prstGeom>
+        </p:spPr>
+      </p:pic>
+      <p:pic>
+        <p:nvPicPr>
+          <p:cNvPr id="6" name="图片 5"/>
+          <p:cNvPicPr>
+            <a:picLocks noChangeAspect="1"/>
+          </p:cNvPicPr>
+          <p:nvPr/>
+        </p:nvPicPr>
+        <p:blipFill>
+          <a:blip r:embed="rId4"/>
+          <a:stretch>
+            <a:fillRect/>
+          </a:stretch>
+        </p:blipFill>
+        <p:spPr>
+          <a:xfrm>
+            <a:off x="6099174" y="1880030"/>
+            <a:ext cx="4181475" cy="1085850"/>
+          </a:xfrm>
+          <a:prstGeom prst="rect">
+            <a:avLst/>
+          </a:prstGeom>
+        </p:spPr>
+      </p:pic>
+      <p:sp>
+        <p:nvSpPr>
+          <p:cNvPr id="7" name="矩形 6"/>
+          <p:cNvSpPr/>
+          <p:nvPr/>
+        </p:nvSpPr>
+        <p:spPr>
+          <a:xfrm>
+            <a:off x="2876550" y="6581001"/>
+            <a:ext cx="9315450" cy="276999"/>
+          </a:xfrm>
+          <a:prstGeom prst="rect">
+            <a:avLst/>
+          </a:prstGeom>
+        </p:spPr>
+        <p:txBody>
+          <a:bodyPr wrap="square">
+            <a:spAutoFit/>
+          </a:bodyPr>
+          <a:lstStyle/>
+          <a:p>
+            <a:r>
+              <a:rPr lang="en-US" altLang="zh-CN" sz="1200" dirty="0">
+                <a:latin typeface="Times New Roman" panose="02020603050405020304" pitchFamily="18" charset="0"/>
+                <a:cs typeface="Times New Roman" panose="02020603050405020304" pitchFamily="18" charset="0"/>
               </a:rPr>
-              <a:t>Computational expensive.</a:t>
-            </a:r>
-          </a:p>
-          <a:p>
-            <a:endParaRPr lang="en-US" altLang="zh-CN" dirty="0">
-              <a:solidFill>
-                <a:schemeClr val="tx1">
-                  <a:lumMod val="95000"/>
-                  <a:lumOff val="5000"/>
-                </a:schemeClr>
-              </a:solidFill>
-            </a:endParaRPr>
-          </a:p>
-          <a:p>
-            <a:r>
-              <a:rPr lang="en-US" altLang="zh-CN" dirty="0">
-                <a:solidFill>
-                  <a:schemeClr val="tx1">
-                    <a:lumMod val="95000"/>
-                    <a:lumOff val="5000"/>
-                  </a:schemeClr>
-                </a:solidFill>
+              <a:t>AN EXPLORATION OF SOFTMAX ALTERNATIVES BELONGING TO THE SPHERICAL LOSS FAMILY. ICLR 2016 [university de </a:t>
+            </a:r>
+            <a:r>
+              <a:rPr lang="en-US" altLang="zh-CN" sz="1200" dirty="0" err="1">
+                <a:latin typeface="Times New Roman" panose="02020603050405020304" pitchFamily="18" charset="0"/>
+                <a:cs typeface="Times New Roman" panose="02020603050405020304" pitchFamily="18" charset="0"/>
               </a:rPr>
-              <a:t>1. spherical family </a:t>
-            </a:r>
-          </a:p>
-          <a:p>
-            <a:r>
-              <a:rPr lang="en-US" altLang="zh-CN" dirty="0">
-                <a:solidFill>
-                  <a:schemeClr val="tx1">
-                    <a:lumMod val="95000"/>
-                    <a:lumOff val="5000"/>
-                  </a:schemeClr>
-                </a:solidFill>
+              <a:t>montreal</a:t>
+            </a:r>
+            <a:r>
+              <a:rPr lang="en-US" altLang="zh-CN" sz="1200" dirty="0">
+                <a:latin typeface="Times New Roman" panose="02020603050405020304" pitchFamily="18" charset="0"/>
+                <a:cs typeface="Times New Roman" panose="02020603050405020304" pitchFamily="18" charset="0"/>
               </a:rPr>
-              <a:t>2. sampling estimation.</a:t>
-            </a:r>
-          </a:p>
-          <a:p>
-            <a:pPr lvl="1"/>
-            <a:r>
-              <a:rPr lang="en-US" altLang="zh-CN" dirty="0">
-                <a:solidFill>
-                  <a:schemeClr val="tx1">
-                    <a:lumMod val="95000"/>
-                    <a:lumOff val="5000"/>
-                  </a:schemeClr>
-                </a:solidFill>
-              </a:rPr>
-              <a:t>Noise </a:t>
-            </a:r>
-            <a:r>
-              <a:rPr lang="en-US" altLang="zh-CN" dirty="0" err="1">
-                <a:solidFill>
-                  <a:schemeClr val="tx1">
-                    <a:lumMod val="95000"/>
-                    <a:lumOff val="5000"/>
-                  </a:schemeClr>
-                </a:solidFill>
-              </a:rPr>
-              <a:t>constrastive</a:t>
-            </a:r>
-            <a:r>
-              <a:rPr lang="en-US" altLang="zh-CN" dirty="0">
-                <a:solidFill>
-                  <a:schemeClr val="tx1">
-                    <a:lumMod val="95000"/>
-                    <a:lumOff val="5000"/>
-                  </a:schemeClr>
-                </a:solidFill>
-              </a:rPr>
-              <a:t> estimation</a:t>
-            </a:r>
-          </a:p>
-          <a:p>
-            <a:pPr lvl="1"/>
-            <a:r>
-              <a:rPr lang="en-US" altLang="zh-CN" dirty="0">
-                <a:solidFill>
-                  <a:schemeClr val="tx1">
-                    <a:lumMod val="95000"/>
-                    <a:lumOff val="5000"/>
-                  </a:schemeClr>
-                </a:solidFill>
-              </a:rPr>
-              <a:t>blackout</a:t>
-            </a:r>
-          </a:p>
-          <a:p>
-            <a:r>
-              <a:rPr lang="en-US" altLang="zh-CN" dirty="0">
-                <a:solidFill>
-                  <a:schemeClr val="tx1">
-                    <a:lumMod val="95000"/>
-                    <a:lumOff val="5000"/>
-                  </a:schemeClr>
-                </a:solidFill>
-              </a:rPr>
-              <a:t>3. structured output layer </a:t>
-            </a:r>
-          </a:p>
-          <a:p>
-            <a:pPr lvl="1"/>
-            <a:r>
-              <a:rPr lang="en-US" altLang="zh-CN" dirty="0">
-                <a:solidFill>
-                  <a:schemeClr val="tx1">
-                    <a:lumMod val="95000"/>
-                    <a:lumOff val="5000"/>
-                  </a:schemeClr>
-                </a:solidFill>
-              </a:rPr>
-              <a:t>Class-based hierarchical </a:t>
-            </a:r>
-            <a:r>
-              <a:rPr lang="en-US" altLang="zh-CN" dirty="0" err="1">
-                <a:solidFill>
-                  <a:schemeClr val="tx1">
-                    <a:lumMod val="95000"/>
-                    <a:lumOff val="5000"/>
-                  </a:schemeClr>
-                </a:solidFill>
-              </a:rPr>
-              <a:t>softmax</a:t>
-            </a:r>
-            <a:endParaRPr lang="en-US" altLang="zh-CN" dirty="0">
-              <a:solidFill>
-                <a:schemeClr val="tx1">
-                  <a:lumMod val="95000"/>
-                  <a:lumOff val="5000"/>
-                </a:schemeClr>
-              </a:solidFill>
-            </a:endParaRPr>
-          </a:p>
-          <a:p>
-            <a:pPr lvl="1"/>
-            <a:r>
-              <a:rPr lang="en-US" altLang="zh-CN" dirty="0">
-                <a:solidFill>
-                  <a:schemeClr val="tx1">
-                    <a:lumMod val="95000"/>
-                    <a:lumOff val="5000"/>
-                  </a:schemeClr>
-                </a:solidFill>
-              </a:rPr>
-              <a:t>Tree-based hierarchical </a:t>
-            </a:r>
-            <a:r>
-              <a:rPr lang="en-US" altLang="zh-CN" dirty="0" err="1">
-                <a:solidFill>
-                  <a:schemeClr val="tx1">
-                    <a:lumMod val="95000"/>
-                    <a:lumOff val="5000"/>
-                  </a:schemeClr>
-                </a:solidFill>
-              </a:rPr>
-              <a:t>softmax</a:t>
-            </a:r>
-            <a:endParaRPr lang="en-US" altLang="zh-CN" dirty="0">
-              <a:solidFill>
-                <a:schemeClr val="tx1">
-                  <a:lumMod val="95000"/>
-                  <a:lumOff val="5000"/>
-                </a:schemeClr>
-              </a:solidFill>
-            </a:endParaRPr>
-          </a:p>
-          <a:p>
-            <a:pPr lvl="1"/>
-            <a:r>
-              <a:rPr lang="en-US" altLang="zh-CN" dirty="0">
-                <a:solidFill>
-                  <a:schemeClr val="tx1">
-                    <a:lumMod val="95000"/>
-                    <a:lumOff val="5000"/>
-                  </a:schemeClr>
-                </a:solidFill>
-              </a:rPr>
-              <a:t>Adaptive </a:t>
-            </a:r>
-            <a:r>
-              <a:rPr lang="en-US" altLang="zh-CN" dirty="0" err="1">
-                <a:solidFill>
-                  <a:schemeClr val="tx1">
-                    <a:lumMod val="95000"/>
-                    <a:lumOff val="5000"/>
-                  </a:schemeClr>
-                </a:solidFill>
-              </a:rPr>
-              <a:t>softmax</a:t>
-            </a:r>
-            <a:endParaRPr lang="en-US" altLang="zh-CN" dirty="0">
-              <a:solidFill>
-                <a:schemeClr val="tx1">
-                  <a:lumMod val="95000"/>
-                  <a:lumOff val="5000"/>
-                </a:schemeClr>
-              </a:solidFill>
+              <a:t>] </a:t>
+            </a:r>
+            <a:endParaRPr lang="zh-CN" altLang="en-US" sz="1200" dirty="0">
+              <a:latin typeface="Times New Roman" panose="02020603050405020304" pitchFamily="18" charset="0"/>
+              <a:cs typeface="Times New Roman" panose="02020603050405020304" pitchFamily="18" charset="0"/>
             </a:endParaRPr>
           </a:p>
         </p:txBody>
@@ -14135,7 +14088,7 @@
     </p:spTree>
     <p:extLst>
       <p:ext uri="{BB962C8B-B14F-4D97-AF65-F5344CB8AC3E}">
-        <p14:creationId xmlns:p14="http://schemas.microsoft.com/office/powerpoint/2010/main" val="1722761845"/>
+        <p14:creationId xmlns:p14="http://schemas.microsoft.com/office/powerpoint/2010/main" val="3747167083"/>
       </p:ext>
     </p:extLst>
   </p:cSld>
